--- a/docs/999_学习资料汇总/実用日本語.pptx
+++ b/docs/999_学习资料汇总/実用日本語.pptx
@@ -5,7 +5,7 @@
     <p:sldMasterId id="2147483690" r:id="rId1"/>
   </p:sldMasterIdLst>
   <p:notesMasterIdLst>
-    <p:notesMasterId r:id="rId7"/>
+    <p:notesMasterId r:id="rId17"/>
   </p:notesMasterIdLst>
   <p:sldIdLst>
     <p:sldId id="256" r:id="rId2"/>
@@ -13,6 +13,16 @@
     <p:sldId id="258" r:id="rId4"/>
     <p:sldId id="259" r:id="rId5"/>
     <p:sldId id="260" r:id="rId6"/>
+    <p:sldId id="270" r:id="rId7"/>
+    <p:sldId id="271" r:id="rId8"/>
+    <p:sldId id="272" r:id="rId9"/>
+    <p:sldId id="273" r:id="rId10"/>
+    <p:sldId id="274" r:id="rId11"/>
+    <p:sldId id="275" r:id="rId12"/>
+    <p:sldId id="276" r:id="rId13"/>
+    <p:sldId id="277" r:id="rId14"/>
+    <p:sldId id="278" r:id="rId15"/>
+    <p:sldId id="279" r:id="rId16"/>
   </p:sldIdLst>
   <p:sldSz cx="12192000" cy="6858000"/>
   <p:notesSz cx="6858000" cy="9144000"/>
@@ -111,93 +121,43 @@
       </a:defRPr>
     </a:lvl9pPr>
   </p:defaultTextStyle>
+  <p:extLst>
+    <p:ext uri="{EFAFB233-063F-42B5-8137-9DF3F51BA10A}">
+      <p15:sldGuideLst xmlns:p15="http://schemas.microsoft.com/office/powerpoint/2012/main"/>
+    </p:ext>
+  </p:extLst>
 </p:presentation>
 </file>
 
 <file path=ppt/changesInfos/changesInfo1.xml><?xml version="1.0" encoding="utf-8"?>
 <pc:chgInfo xmlns:a="http://schemas.openxmlformats.org/drawingml/2006/main" xmlns:r="http://schemas.openxmlformats.org/officeDocument/2006/relationships" xmlns:ac="http://schemas.microsoft.com/office/drawing/2013/main/command" xmlns:pc="http://schemas.microsoft.com/office/powerpoint/2013/main/command">
   <pc:docChgLst>
-    <pc:chgData name="吉 偉薇" userId="f3fa1b7fd4bd8f4a" providerId="LiveId" clId="{1EC20C0E-A439-4D36-BC0E-5FC556D6B336}"/>
-    <pc:docChg chg="undo custSel addSld modSld">
-      <pc:chgData name="吉 偉薇" userId="f3fa1b7fd4bd8f4a" providerId="LiveId" clId="{1EC20C0E-A439-4D36-BC0E-5FC556D6B336}" dt="2022-04-21T12:52:28.947" v="763" actId="5793"/>
+    <pc:chgData name="吉 偉薇" userId="f3fa1b7fd4bd8f4a" providerId="LiveId" clId="{A9EF0351-7ADB-4D8A-8C42-2F742E607D44}"/>
+    <pc:docChg chg="delSld">
+      <pc:chgData name="吉 偉薇" userId="f3fa1b7fd4bd8f4a" providerId="LiveId" clId="{A9EF0351-7ADB-4D8A-8C42-2F742E607D44}" dt="2022-04-23T08:42:58.391" v="2" actId="47"/>
       <pc:docMkLst>
         <pc:docMk/>
       </pc:docMkLst>
-      <pc:sldChg chg="modSp mod">
-        <pc:chgData name="吉 偉薇" userId="f3fa1b7fd4bd8f4a" providerId="LiveId" clId="{1EC20C0E-A439-4D36-BC0E-5FC556D6B336}" dt="2022-04-21T12:47:25.574" v="502" actId="20577"/>
+      <pc:sldChg chg="del">
+        <pc:chgData name="吉 偉薇" userId="f3fa1b7fd4bd8f4a" providerId="LiveId" clId="{A9EF0351-7ADB-4D8A-8C42-2F742E607D44}" dt="2022-04-23T08:42:54.131" v="0" actId="47"/>
         <pc:sldMkLst>
           <pc:docMk/>
-          <pc:sldMk cId="2856911976" sldId="257"/>
+          <pc:sldMk cId="292139401" sldId="261"/>
         </pc:sldMkLst>
-        <pc:spChg chg="mod">
-          <ac:chgData name="吉 偉薇" userId="f3fa1b7fd4bd8f4a" providerId="LiveId" clId="{1EC20C0E-A439-4D36-BC0E-5FC556D6B336}" dt="2022-04-21T12:47:25.574" v="502" actId="20577"/>
-          <ac:spMkLst>
-            <pc:docMk/>
-            <pc:sldMk cId="2856911976" sldId="257"/>
-            <ac:spMk id="3" creationId="{82EAFE68-C12E-4C14-AD05-ABDA8BBED44F}"/>
-          </ac:spMkLst>
-        </pc:spChg>
       </pc:sldChg>
-      <pc:sldChg chg="modSp mod">
-        <pc:chgData name="吉 偉薇" userId="f3fa1b7fd4bd8f4a" providerId="LiveId" clId="{1EC20C0E-A439-4D36-BC0E-5FC556D6B336}" dt="2022-04-21T12:24:59.242" v="3" actId="27636"/>
+      <pc:sldChg chg="del">
+        <pc:chgData name="吉 偉薇" userId="f3fa1b7fd4bd8f4a" providerId="LiveId" clId="{A9EF0351-7ADB-4D8A-8C42-2F742E607D44}" dt="2022-04-23T08:42:56.193" v="1" actId="47"/>
         <pc:sldMkLst>
           <pc:docMk/>
-          <pc:sldMk cId="349367215" sldId="258"/>
+          <pc:sldMk cId="3899576202" sldId="262"/>
         </pc:sldMkLst>
-        <pc:spChg chg="mod">
-          <ac:chgData name="吉 偉薇" userId="f3fa1b7fd4bd8f4a" providerId="LiveId" clId="{1EC20C0E-A439-4D36-BC0E-5FC556D6B336}" dt="2022-04-21T12:24:59.242" v="3" actId="27636"/>
-          <ac:spMkLst>
-            <pc:docMk/>
-            <pc:sldMk cId="349367215" sldId="258"/>
-            <ac:spMk id="3" creationId="{3477247B-A4BF-4824-A906-2C695B43C023}"/>
-          </ac:spMkLst>
-        </pc:spChg>
       </pc:sldChg>
-      <pc:sldChg chg="modSp new mod">
-        <pc:chgData name="吉 偉薇" userId="f3fa1b7fd4bd8f4a" providerId="LiveId" clId="{1EC20C0E-A439-4D36-BC0E-5FC556D6B336}" dt="2022-04-21T12:52:28.947" v="763" actId="5793"/>
+      <pc:sldChg chg="del">
+        <pc:chgData name="吉 偉薇" userId="f3fa1b7fd4bd8f4a" providerId="LiveId" clId="{A9EF0351-7ADB-4D8A-8C42-2F742E607D44}" dt="2022-04-23T08:42:58.391" v="2" actId="47"/>
         <pc:sldMkLst>
           <pc:docMk/>
-          <pc:sldMk cId="2185880228" sldId="259"/>
+          <pc:sldMk cId="2295569604" sldId="263"/>
         </pc:sldMkLst>
-        <pc:spChg chg="mod">
-          <ac:chgData name="吉 偉薇" userId="f3fa1b7fd4bd8f4a" providerId="LiveId" clId="{1EC20C0E-A439-4D36-BC0E-5FC556D6B336}" dt="2022-04-21T12:25:25.990" v="53" actId="20577"/>
-          <ac:spMkLst>
-            <pc:docMk/>
-            <pc:sldMk cId="2185880228" sldId="259"/>
-            <ac:spMk id="2" creationId="{CED33B7F-F3B6-4497-90A3-820A7A07FE6A}"/>
-          </ac:spMkLst>
-        </pc:spChg>
-        <pc:spChg chg="mod">
-          <ac:chgData name="吉 偉薇" userId="f3fa1b7fd4bd8f4a" providerId="LiveId" clId="{1EC20C0E-A439-4D36-BC0E-5FC556D6B336}" dt="2022-04-21T12:52:28.947" v="763" actId="5793"/>
-          <ac:spMkLst>
-            <pc:docMk/>
-            <pc:sldMk cId="2185880228" sldId="259"/>
-            <ac:spMk id="3" creationId="{D00C8E60-25BA-4A21-8507-54E99CA8B4D5}"/>
-          </ac:spMkLst>
-        </pc:spChg>
-      </pc:sldChg>
-      <pc:sldChg chg="modSp new mod">
-        <pc:chgData name="吉 偉薇" userId="f3fa1b7fd4bd8f4a" providerId="LiveId" clId="{1EC20C0E-A439-4D36-BC0E-5FC556D6B336}" dt="2022-04-21T12:42:46.566" v="405" actId="27636"/>
-        <pc:sldMkLst>
-          <pc:docMk/>
-          <pc:sldMk cId="2106541142" sldId="260"/>
-        </pc:sldMkLst>
-        <pc:spChg chg="mod">
-          <ac:chgData name="吉 偉薇" userId="f3fa1b7fd4bd8f4a" providerId="LiveId" clId="{1EC20C0E-A439-4D36-BC0E-5FC556D6B336}" dt="2022-04-21T12:25:56.202" v="94" actId="20577"/>
-          <ac:spMkLst>
-            <pc:docMk/>
-            <pc:sldMk cId="2106541142" sldId="260"/>
-            <ac:spMk id="2" creationId="{482799DB-5880-4736-8162-C974686DBCEC}"/>
-          </ac:spMkLst>
-        </pc:spChg>
-        <pc:spChg chg="mod">
-          <ac:chgData name="吉 偉薇" userId="f3fa1b7fd4bd8f4a" providerId="LiveId" clId="{1EC20C0E-A439-4D36-BC0E-5FC556D6B336}" dt="2022-04-21T12:42:46.566" v="405" actId="27636"/>
-          <ac:spMkLst>
-            <pc:docMk/>
-            <pc:sldMk cId="2106541142" sldId="260"/>
-            <ac:spMk id="3" creationId="{879338B2-4560-48AC-AEA1-4A8B26D62C0A}"/>
-          </ac:spMkLst>
-        </pc:spChg>
       </pc:sldChg>
     </pc:docChg>
   </pc:docChgLst>
@@ -286,7 +246,7 @@
           <a:p>
             <a:fld id="{FA2BA4C8-6542-436B-B9CB-5273B2DD7AAD}" type="datetimeFigureOut">
               <a:rPr lang="zh-CN" altLang="en-US" smtClean="0"/>
-              <a:t>2022/4/21</a:t>
+              <a:t>2022/4/23</a:t>
             </a:fld>
             <a:endParaRPr lang="zh-CN" altLang="en-US"/>
           </a:p>
@@ -630,6 +590,171 @@
           <a:bodyPr/>
           <a:lstStyle/>
           <a:p>
+            <a:pPr marL="0" marR="0" lvl="0" indent="0" algn="l" defTabSz="914400" rtl="0" eaLnBrk="1" fontAlgn="auto" latinLnBrk="0" hangingPunct="1">
+              <a:lnSpc>
+                <a:spcPct val="100000"/>
+              </a:lnSpc>
+              <a:spcBef>
+                <a:spcPts val="0"/>
+              </a:spcBef>
+              <a:spcAft>
+                <a:spcPts val="0"/>
+              </a:spcAft>
+              <a:buClrTx/>
+              <a:buSzTx/>
+              <a:buFontTx/>
+              <a:buNone/>
+              <a:tabLst/>
+              <a:defRPr/>
+            </a:pPr>
+            <a:r>
+              <a:rPr lang="ja-JP" altLang="en-US" b="1" i="0" dirty="0">
+                <a:solidFill>
+                  <a:srgbClr val="333333"/>
+                </a:solidFill>
+                <a:effectLst/>
+                <a:latin typeface="Hiragino Kaku Gothic ProN"/>
+              </a:rPr>
+              <a:t>これは</a:t>
+            </a:r>
+            <a:r>
+              <a:rPr lang="en-US" altLang="ja-JP" b="1" i="0" dirty="0">
+                <a:solidFill>
+                  <a:srgbClr val="333333"/>
+                </a:solidFill>
+                <a:effectLst/>
+                <a:latin typeface="Hiragino Kaku Gothic ProN"/>
+              </a:rPr>
+              <a:t>NG</a:t>
+            </a:r>
+            <a:r>
+              <a:rPr lang="ja-JP" altLang="en-US" b="1" i="0" dirty="0">
+                <a:solidFill>
+                  <a:srgbClr val="333333"/>
+                </a:solidFill>
+                <a:effectLst/>
+                <a:latin typeface="Hiragino Kaku Gothic ProN"/>
+              </a:rPr>
+              <a:t>！嫌がられる自己紹介とは？</a:t>
+            </a:r>
+          </a:p>
+          <a:p>
+            <a:pPr marL="0" marR="0" lvl="0" indent="0" algn="l" defTabSz="914400" rtl="0" eaLnBrk="1" fontAlgn="auto" latinLnBrk="0" hangingPunct="1">
+              <a:lnSpc>
+                <a:spcPct val="100000"/>
+              </a:lnSpc>
+              <a:spcBef>
+                <a:spcPts val="0"/>
+              </a:spcBef>
+              <a:spcAft>
+                <a:spcPts val="0"/>
+              </a:spcAft>
+              <a:buClrTx/>
+              <a:buSzTx/>
+              <a:buFontTx/>
+              <a:buNone/>
+              <a:tabLst/>
+              <a:defRPr/>
+            </a:pPr>
+            <a:r>
+              <a:rPr lang="ja-JP" altLang="en-US" b="1" i="0" dirty="0">
+                <a:solidFill>
+                  <a:srgbClr val="333333"/>
+                </a:solidFill>
+                <a:effectLst/>
+                <a:latin typeface="Hiragino Kaku Gothic ProN"/>
+              </a:rPr>
+              <a:t>話しが長く、要領を得ない</a:t>
+            </a:r>
+          </a:p>
+          <a:p>
+            <a:pPr marL="0" marR="0" lvl="0" indent="0" algn="l" defTabSz="914400" rtl="0" eaLnBrk="1" fontAlgn="auto" latinLnBrk="0" hangingPunct="1">
+              <a:lnSpc>
+                <a:spcPct val="100000"/>
+              </a:lnSpc>
+              <a:spcBef>
+                <a:spcPts val="0"/>
+              </a:spcBef>
+              <a:spcAft>
+                <a:spcPts val="0"/>
+              </a:spcAft>
+              <a:buClrTx/>
+              <a:buSzTx/>
+              <a:buFontTx/>
+              <a:buNone/>
+              <a:tabLst/>
+              <a:defRPr/>
+            </a:pPr>
+            <a:r>
+              <a:rPr lang="ja-JP" altLang="en-US" b="1" i="0" dirty="0">
+                <a:solidFill>
+                  <a:srgbClr val="333333"/>
+                </a:solidFill>
+                <a:effectLst/>
+                <a:latin typeface="Hiragino Kaku Gothic ProN"/>
+              </a:rPr>
+              <a:t>「えーと」「あのー」などが多い</a:t>
+            </a:r>
+          </a:p>
+          <a:p>
+            <a:pPr marL="0" marR="0" lvl="0" indent="0" algn="l" defTabSz="914400" rtl="0" eaLnBrk="1" fontAlgn="auto" latinLnBrk="0" hangingPunct="1">
+              <a:lnSpc>
+                <a:spcPct val="100000"/>
+              </a:lnSpc>
+              <a:spcBef>
+                <a:spcPts val="0"/>
+              </a:spcBef>
+              <a:spcAft>
+                <a:spcPts val="0"/>
+              </a:spcAft>
+              <a:buClrTx/>
+              <a:buSzTx/>
+              <a:buFontTx/>
+              <a:buNone/>
+              <a:tabLst/>
+              <a:defRPr/>
+            </a:pPr>
+            <a:r>
+              <a:rPr lang="ja-JP" altLang="en-US" b="1" i="0" dirty="0">
+                <a:solidFill>
+                  <a:srgbClr val="333333"/>
+                </a:solidFill>
+                <a:effectLst/>
+                <a:latin typeface="Hiragino Kaku Gothic ProN"/>
+              </a:rPr>
+              <a:t>苗字しか名乗らない</a:t>
+            </a:r>
+          </a:p>
+          <a:p>
+            <a:pPr marL="0" marR="0" lvl="0" indent="0" algn="l" defTabSz="914400" rtl="0" eaLnBrk="1" fontAlgn="auto" latinLnBrk="0" hangingPunct="1">
+              <a:lnSpc>
+                <a:spcPct val="100000"/>
+              </a:lnSpc>
+              <a:spcBef>
+                <a:spcPts val="0"/>
+              </a:spcBef>
+              <a:spcAft>
+                <a:spcPts val="0"/>
+              </a:spcAft>
+              <a:buClrTx/>
+              <a:buSzTx/>
+              <a:buFontTx/>
+              <a:buNone/>
+              <a:tabLst/>
+              <a:defRPr/>
+            </a:pPr>
+            <a:r>
+              <a:rPr lang="ja-JP" altLang="en-US" b="1" i="0" dirty="0">
+                <a:solidFill>
+                  <a:srgbClr val="333333"/>
+                </a:solidFill>
+                <a:effectLst/>
+                <a:latin typeface="Hiragino Kaku Gothic ProN"/>
+              </a:rPr>
+              <a:t>ネガティブな発言をする</a:t>
+            </a:r>
+          </a:p>
+          <a:p>
             <a:endParaRPr lang="zh-CN" altLang="en-US" dirty="0"/>
           </a:p>
         </p:txBody>
@@ -661,6 +786,942 @@
     <p:extLst>
       <p:ext uri="{BB962C8B-B14F-4D97-AF65-F5344CB8AC3E}">
         <p14:creationId xmlns:p14="http://schemas.microsoft.com/office/powerpoint/2010/main" val="1662805052"/>
+      </p:ext>
+    </p:extLst>
+  </p:cSld>
+  <p:clrMapOvr>
+    <a:masterClrMapping/>
+  </p:clrMapOvr>
+</p:notes>
+</file>
+
+<file path=ppt/notesSlides/notesSlide10.xml><?xml version="1.0" encoding="utf-8"?>
+<p:notes xmlns:a="http://schemas.openxmlformats.org/drawingml/2006/main" xmlns:r="http://schemas.openxmlformats.org/officeDocument/2006/relationships" xmlns:p="http://schemas.openxmlformats.org/presentationml/2006/main">
+  <p:cSld>
+    <p:spTree>
+      <p:nvGrpSpPr>
+        <p:cNvPr id="1" name=""/>
+        <p:cNvGrpSpPr/>
+        <p:nvPr/>
+      </p:nvGrpSpPr>
+      <p:grpSpPr>
+        <a:xfrm>
+          <a:off x="0" y="0"/>
+          <a:ext cx="0" cy="0"/>
+          <a:chOff x="0" y="0"/>
+          <a:chExt cx="0" cy="0"/>
+        </a:xfrm>
+      </p:grpSpPr>
+      <p:sp>
+        <p:nvSpPr>
+          <p:cNvPr id="2" name="スライド イメージ プレースホルダー 1"/>
+          <p:cNvSpPr>
+            <a:spLocks noGrp="1" noRot="1" noChangeAspect="1"/>
+          </p:cNvSpPr>
+          <p:nvPr>
+            <p:ph type="sldImg"/>
+          </p:nvPr>
+        </p:nvSpPr>
+        <p:spPr/>
+      </p:sp>
+      <p:sp>
+        <p:nvSpPr>
+          <p:cNvPr id="3" name="ノート プレースホルダー 2"/>
+          <p:cNvSpPr>
+            <a:spLocks noGrp="1"/>
+          </p:cNvSpPr>
+          <p:nvPr>
+            <p:ph type="body" idx="1"/>
+          </p:nvPr>
+        </p:nvSpPr>
+        <p:spPr/>
+        <p:txBody>
+          <a:bodyPr/>
+          <a:lstStyle/>
+          <a:p>
+            <a:r>
+              <a:rPr lang="ja-JP" altLang="en-US" dirty="0"/>
+              <a:t>実現できたのは一人の力ではなく、周りの支えがあったおかげだといえるのが大人です。</a:t>
+            </a:r>
+            <a:endParaRPr lang="zh-CN" altLang="en-US" dirty="0"/>
+          </a:p>
+        </p:txBody>
+      </p:sp>
+      <p:sp>
+        <p:nvSpPr>
+          <p:cNvPr id="4" name="スライド番号プレースホルダー 3"/>
+          <p:cNvSpPr>
+            <a:spLocks noGrp="1"/>
+          </p:cNvSpPr>
+          <p:nvPr>
+            <p:ph type="sldNum" sz="quarter" idx="5"/>
+          </p:nvPr>
+        </p:nvSpPr>
+        <p:spPr/>
+        <p:txBody>
+          <a:bodyPr/>
+          <a:lstStyle/>
+          <a:p>
+            <a:fld id="{F9026B5B-AFF5-4B55-8F45-CE3FE249B0AF}" type="slidenum">
+              <a:rPr lang="zh-CN" altLang="en-US" smtClean="0"/>
+              <a:t>13</a:t>
+            </a:fld>
+            <a:endParaRPr lang="zh-CN" altLang="en-US"/>
+          </a:p>
+        </p:txBody>
+      </p:sp>
+    </p:spTree>
+    <p:extLst>
+      <p:ext uri="{BB962C8B-B14F-4D97-AF65-F5344CB8AC3E}">
+        <p14:creationId xmlns:p14="http://schemas.microsoft.com/office/powerpoint/2010/main" val="331787959"/>
+      </p:ext>
+    </p:extLst>
+  </p:cSld>
+  <p:clrMapOvr>
+    <a:masterClrMapping/>
+  </p:clrMapOvr>
+</p:notes>
+</file>
+
+<file path=ppt/notesSlides/notesSlide11.xml><?xml version="1.0" encoding="utf-8"?>
+<p:notes xmlns:a="http://schemas.openxmlformats.org/drawingml/2006/main" xmlns:r="http://schemas.openxmlformats.org/officeDocument/2006/relationships" xmlns:p="http://schemas.openxmlformats.org/presentationml/2006/main">
+  <p:cSld>
+    <p:spTree>
+      <p:nvGrpSpPr>
+        <p:cNvPr id="1" name=""/>
+        <p:cNvGrpSpPr/>
+        <p:nvPr/>
+      </p:nvGrpSpPr>
+      <p:grpSpPr>
+        <a:xfrm>
+          <a:off x="0" y="0"/>
+          <a:ext cx="0" cy="0"/>
+          <a:chOff x="0" y="0"/>
+          <a:chExt cx="0" cy="0"/>
+        </a:xfrm>
+      </p:grpSpPr>
+      <p:sp>
+        <p:nvSpPr>
+          <p:cNvPr id="2" name="スライド イメージ プレースホルダー 1"/>
+          <p:cNvSpPr>
+            <a:spLocks noGrp="1" noRot="1" noChangeAspect="1"/>
+          </p:cNvSpPr>
+          <p:nvPr>
+            <p:ph type="sldImg"/>
+          </p:nvPr>
+        </p:nvSpPr>
+        <p:spPr/>
+      </p:sp>
+      <p:sp>
+        <p:nvSpPr>
+          <p:cNvPr id="3" name="ノート プレースホルダー 2"/>
+          <p:cNvSpPr>
+            <a:spLocks noGrp="1"/>
+          </p:cNvSpPr>
+          <p:nvPr>
+            <p:ph type="body" idx="1"/>
+          </p:nvPr>
+        </p:nvSpPr>
+        <p:spPr/>
+        <p:txBody>
+          <a:bodyPr/>
+          <a:lstStyle/>
+          <a:p>
+            <a:r>
+              <a:rPr lang="ja-JP" altLang="en-US" dirty="0"/>
+              <a:t>「頑張ります」はすこし子供ぽい。</a:t>
+            </a:r>
+            <a:endParaRPr lang="en-US" altLang="ja-JP" dirty="0"/>
+          </a:p>
+          <a:p>
+            <a:r>
+              <a:rPr lang="ja-JP" altLang="en-US" dirty="0"/>
+              <a:t>「精進」は集中して一所懸命努力すること。</a:t>
+            </a:r>
+            <a:endParaRPr lang="en-US" altLang="ja-JP" dirty="0"/>
+          </a:p>
+          <a:p>
+            <a:r>
+              <a:rPr lang="ja-JP" altLang="en-US"/>
+              <a:t>落ち着いて、任せてれる大人を演出しよう！</a:t>
+            </a:r>
+            <a:endParaRPr lang="zh-CN" altLang="en-US" dirty="0"/>
+          </a:p>
+        </p:txBody>
+      </p:sp>
+      <p:sp>
+        <p:nvSpPr>
+          <p:cNvPr id="4" name="スライド番号プレースホルダー 3"/>
+          <p:cNvSpPr>
+            <a:spLocks noGrp="1"/>
+          </p:cNvSpPr>
+          <p:nvPr>
+            <p:ph type="sldNum" sz="quarter" idx="5"/>
+          </p:nvPr>
+        </p:nvSpPr>
+        <p:spPr/>
+        <p:txBody>
+          <a:bodyPr/>
+          <a:lstStyle/>
+          <a:p>
+            <a:fld id="{F9026B5B-AFF5-4B55-8F45-CE3FE249B0AF}" type="slidenum">
+              <a:rPr lang="zh-CN" altLang="en-US" smtClean="0"/>
+              <a:t>14</a:t>
+            </a:fld>
+            <a:endParaRPr lang="zh-CN" altLang="en-US"/>
+          </a:p>
+        </p:txBody>
+      </p:sp>
+    </p:spTree>
+    <p:extLst>
+      <p:ext uri="{BB962C8B-B14F-4D97-AF65-F5344CB8AC3E}">
+        <p14:creationId xmlns:p14="http://schemas.microsoft.com/office/powerpoint/2010/main" val="2117019712"/>
+      </p:ext>
+    </p:extLst>
+  </p:cSld>
+  <p:clrMapOvr>
+    <a:masterClrMapping/>
+  </p:clrMapOvr>
+</p:notes>
+</file>
+
+<file path=ppt/notesSlides/notesSlide2.xml><?xml version="1.0" encoding="utf-8"?>
+<p:notes xmlns:a="http://schemas.openxmlformats.org/drawingml/2006/main" xmlns:r="http://schemas.openxmlformats.org/officeDocument/2006/relationships" xmlns:p="http://schemas.openxmlformats.org/presentationml/2006/main">
+  <p:cSld>
+    <p:spTree>
+      <p:nvGrpSpPr>
+        <p:cNvPr id="1" name=""/>
+        <p:cNvGrpSpPr/>
+        <p:nvPr/>
+      </p:nvGrpSpPr>
+      <p:grpSpPr>
+        <a:xfrm>
+          <a:off x="0" y="0"/>
+          <a:ext cx="0" cy="0"/>
+          <a:chOff x="0" y="0"/>
+          <a:chExt cx="0" cy="0"/>
+        </a:xfrm>
+      </p:grpSpPr>
+      <p:sp>
+        <p:nvSpPr>
+          <p:cNvPr id="2" name="スライド イメージ プレースホルダー 1"/>
+          <p:cNvSpPr>
+            <a:spLocks noGrp="1" noRot="1" noChangeAspect="1"/>
+          </p:cNvSpPr>
+          <p:nvPr>
+            <p:ph type="sldImg"/>
+          </p:nvPr>
+        </p:nvSpPr>
+        <p:spPr/>
+      </p:sp>
+      <p:sp>
+        <p:nvSpPr>
+          <p:cNvPr id="3" name="ノート プレースホルダー 2"/>
+          <p:cNvSpPr>
+            <a:spLocks noGrp="1"/>
+          </p:cNvSpPr>
+          <p:nvPr>
+            <p:ph type="body" idx="1"/>
+          </p:nvPr>
+        </p:nvSpPr>
+        <p:spPr/>
+        <p:txBody>
+          <a:bodyPr/>
+          <a:lstStyle/>
+          <a:p>
+            <a:r>
+              <a:rPr lang="ja-JP" altLang="en-US" dirty="0"/>
+              <a:t>情報を教えても立った時や指導してもらった時、「知りませんでした」はいいわけぽい。</a:t>
+            </a:r>
+            <a:endParaRPr lang="en-US" altLang="ja-JP" dirty="0"/>
+          </a:p>
+          <a:p>
+            <a:r>
+              <a:rPr lang="ja-JP" altLang="en-US" dirty="0"/>
+              <a:t>「初めて知りました」は肯定のことば、やる気感じられます。</a:t>
+            </a:r>
+            <a:endParaRPr lang="zh-CN" altLang="en-US" dirty="0"/>
+          </a:p>
+        </p:txBody>
+      </p:sp>
+      <p:sp>
+        <p:nvSpPr>
+          <p:cNvPr id="4" name="スライド番号プレースホルダー 3"/>
+          <p:cNvSpPr>
+            <a:spLocks noGrp="1"/>
+          </p:cNvSpPr>
+          <p:nvPr>
+            <p:ph type="sldNum" sz="quarter" idx="5"/>
+          </p:nvPr>
+        </p:nvSpPr>
+        <p:spPr/>
+        <p:txBody>
+          <a:bodyPr/>
+          <a:lstStyle/>
+          <a:p>
+            <a:fld id="{F9026B5B-AFF5-4B55-8F45-CE3FE249B0AF}" type="slidenum">
+              <a:rPr lang="zh-CN" altLang="en-US" smtClean="0"/>
+              <a:t>5</a:t>
+            </a:fld>
+            <a:endParaRPr lang="zh-CN" altLang="en-US"/>
+          </a:p>
+        </p:txBody>
+      </p:sp>
+    </p:spTree>
+    <p:extLst>
+      <p:ext uri="{BB962C8B-B14F-4D97-AF65-F5344CB8AC3E}">
+        <p14:creationId xmlns:p14="http://schemas.microsoft.com/office/powerpoint/2010/main" val="3525923902"/>
+      </p:ext>
+    </p:extLst>
+  </p:cSld>
+  <p:clrMapOvr>
+    <a:masterClrMapping/>
+  </p:clrMapOvr>
+</p:notes>
+</file>
+
+<file path=ppt/notesSlides/notesSlide3.xml><?xml version="1.0" encoding="utf-8"?>
+<p:notes xmlns:a="http://schemas.openxmlformats.org/drawingml/2006/main" xmlns:r="http://schemas.openxmlformats.org/officeDocument/2006/relationships" xmlns:p="http://schemas.openxmlformats.org/presentationml/2006/main">
+  <p:cSld>
+    <p:spTree>
+      <p:nvGrpSpPr>
+        <p:cNvPr id="1" name=""/>
+        <p:cNvGrpSpPr/>
+        <p:nvPr/>
+      </p:nvGrpSpPr>
+      <p:grpSpPr>
+        <a:xfrm>
+          <a:off x="0" y="0"/>
+          <a:ext cx="0" cy="0"/>
+          <a:chOff x="0" y="0"/>
+          <a:chExt cx="0" cy="0"/>
+        </a:xfrm>
+      </p:grpSpPr>
+      <p:sp>
+        <p:nvSpPr>
+          <p:cNvPr id="2" name="スライド イメージ プレースホルダー 1"/>
+          <p:cNvSpPr>
+            <a:spLocks noGrp="1" noRot="1" noChangeAspect="1"/>
+          </p:cNvSpPr>
+          <p:nvPr>
+            <p:ph type="sldImg"/>
+          </p:nvPr>
+        </p:nvSpPr>
+        <p:spPr/>
+      </p:sp>
+      <p:sp>
+        <p:nvSpPr>
+          <p:cNvPr id="3" name="ノート プレースホルダー 2"/>
+          <p:cNvSpPr>
+            <a:spLocks noGrp="1"/>
+          </p:cNvSpPr>
+          <p:nvPr>
+            <p:ph type="body" idx="1"/>
+          </p:nvPr>
+        </p:nvSpPr>
+        <p:spPr/>
+        <p:txBody>
+          <a:bodyPr/>
+          <a:lstStyle/>
+          <a:p>
+            <a:r>
+              <a:rPr lang="ja-JP" altLang="en-US" dirty="0"/>
+              <a:t>「心配でしたね」のほうが天寧な印象があたえる。</a:t>
+            </a:r>
+            <a:endParaRPr lang="en-US" altLang="ja-JP" dirty="0"/>
+          </a:p>
+          <a:p>
+            <a:r>
+              <a:rPr lang="ja-JP" altLang="en-US" dirty="0"/>
+              <a:t>大人の正しい対処法！</a:t>
+            </a:r>
+            <a:endParaRPr lang="zh-CN" altLang="en-US" dirty="0"/>
+          </a:p>
+        </p:txBody>
+      </p:sp>
+      <p:sp>
+        <p:nvSpPr>
+          <p:cNvPr id="4" name="スライド番号プレースホルダー 3"/>
+          <p:cNvSpPr>
+            <a:spLocks noGrp="1"/>
+          </p:cNvSpPr>
+          <p:nvPr>
+            <p:ph type="sldNum" sz="quarter" idx="5"/>
+          </p:nvPr>
+        </p:nvSpPr>
+        <p:spPr/>
+        <p:txBody>
+          <a:bodyPr/>
+          <a:lstStyle/>
+          <a:p>
+            <a:fld id="{F9026B5B-AFF5-4B55-8F45-CE3FE249B0AF}" type="slidenum">
+              <a:rPr lang="zh-CN" altLang="en-US" smtClean="0"/>
+              <a:t>6</a:t>
+            </a:fld>
+            <a:endParaRPr lang="zh-CN" altLang="en-US"/>
+          </a:p>
+        </p:txBody>
+      </p:sp>
+    </p:spTree>
+    <p:extLst>
+      <p:ext uri="{BB962C8B-B14F-4D97-AF65-F5344CB8AC3E}">
+        <p14:creationId xmlns:p14="http://schemas.microsoft.com/office/powerpoint/2010/main" val="2292589190"/>
+      </p:ext>
+    </p:extLst>
+  </p:cSld>
+  <p:clrMapOvr>
+    <a:masterClrMapping/>
+  </p:clrMapOvr>
+</p:notes>
+</file>
+
+<file path=ppt/notesSlides/notesSlide4.xml><?xml version="1.0" encoding="utf-8"?>
+<p:notes xmlns:a="http://schemas.openxmlformats.org/drawingml/2006/main" xmlns:r="http://schemas.openxmlformats.org/officeDocument/2006/relationships" xmlns:p="http://schemas.openxmlformats.org/presentationml/2006/main">
+  <p:cSld>
+    <p:spTree>
+      <p:nvGrpSpPr>
+        <p:cNvPr id="1" name=""/>
+        <p:cNvGrpSpPr/>
+        <p:nvPr/>
+      </p:nvGrpSpPr>
+      <p:grpSpPr>
+        <a:xfrm>
+          <a:off x="0" y="0"/>
+          <a:ext cx="0" cy="0"/>
+          <a:chOff x="0" y="0"/>
+          <a:chExt cx="0" cy="0"/>
+        </a:xfrm>
+      </p:grpSpPr>
+      <p:sp>
+        <p:nvSpPr>
+          <p:cNvPr id="2" name="スライド イメージ プレースホルダー 1"/>
+          <p:cNvSpPr>
+            <a:spLocks noGrp="1" noRot="1" noChangeAspect="1"/>
+          </p:cNvSpPr>
+          <p:nvPr>
+            <p:ph type="sldImg"/>
+          </p:nvPr>
+        </p:nvSpPr>
+        <p:spPr/>
+      </p:sp>
+      <p:sp>
+        <p:nvSpPr>
+          <p:cNvPr id="3" name="ノート プレースホルダー 2"/>
+          <p:cNvSpPr>
+            <a:spLocks noGrp="1"/>
+          </p:cNvSpPr>
+          <p:nvPr>
+            <p:ph type="body" idx="1"/>
+          </p:nvPr>
+        </p:nvSpPr>
+        <p:spPr/>
+        <p:txBody>
+          <a:bodyPr/>
+          <a:lstStyle/>
+          <a:p>
+            <a:r>
+              <a:rPr lang="ja-JP" altLang="en-US" dirty="0"/>
+              <a:t>相手がやったこといったこと感服した時のフレーズ</a:t>
+            </a:r>
+            <a:endParaRPr lang="en-US" altLang="ja-JP" dirty="0"/>
+          </a:p>
+          <a:p>
+            <a:r>
+              <a:rPr lang="ja-JP" altLang="en-US" dirty="0"/>
+              <a:t>これまでもすごいと思っていたけど、さらに。。。というニュアンスでつかいたいことば</a:t>
+            </a:r>
+            <a:endParaRPr lang="zh-CN" altLang="en-US" dirty="0"/>
+          </a:p>
+        </p:txBody>
+      </p:sp>
+      <p:sp>
+        <p:nvSpPr>
+          <p:cNvPr id="4" name="スライド番号プレースホルダー 3"/>
+          <p:cNvSpPr>
+            <a:spLocks noGrp="1"/>
+          </p:cNvSpPr>
+          <p:nvPr>
+            <p:ph type="sldNum" sz="quarter" idx="5"/>
+          </p:nvPr>
+        </p:nvSpPr>
+        <p:spPr/>
+        <p:txBody>
+          <a:bodyPr/>
+          <a:lstStyle/>
+          <a:p>
+            <a:fld id="{F9026B5B-AFF5-4B55-8F45-CE3FE249B0AF}" type="slidenum">
+              <a:rPr lang="zh-CN" altLang="en-US" smtClean="0"/>
+              <a:t>7</a:t>
+            </a:fld>
+            <a:endParaRPr lang="zh-CN" altLang="en-US"/>
+          </a:p>
+        </p:txBody>
+      </p:sp>
+    </p:spTree>
+    <p:extLst>
+      <p:ext uri="{BB962C8B-B14F-4D97-AF65-F5344CB8AC3E}">
+        <p14:creationId xmlns:p14="http://schemas.microsoft.com/office/powerpoint/2010/main" val="2692203771"/>
+      </p:ext>
+    </p:extLst>
+  </p:cSld>
+  <p:clrMapOvr>
+    <a:masterClrMapping/>
+  </p:clrMapOvr>
+</p:notes>
+</file>
+
+<file path=ppt/notesSlides/notesSlide5.xml><?xml version="1.0" encoding="utf-8"?>
+<p:notes xmlns:a="http://schemas.openxmlformats.org/drawingml/2006/main" xmlns:r="http://schemas.openxmlformats.org/officeDocument/2006/relationships" xmlns:p="http://schemas.openxmlformats.org/presentationml/2006/main">
+  <p:cSld>
+    <p:spTree>
+      <p:nvGrpSpPr>
+        <p:cNvPr id="1" name=""/>
+        <p:cNvGrpSpPr/>
+        <p:nvPr/>
+      </p:nvGrpSpPr>
+      <p:grpSpPr>
+        <a:xfrm>
+          <a:off x="0" y="0"/>
+          <a:ext cx="0" cy="0"/>
+          <a:chOff x="0" y="0"/>
+          <a:chExt cx="0" cy="0"/>
+        </a:xfrm>
+      </p:grpSpPr>
+      <p:sp>
+        <p:nvSpPr>
+          <p:cNvPr id="2" name="スライド イメージ プレースホルダー 1"/>
+          <p:cNvSpPr>
+            <a:spLocks noGrp="1" noRot="1" noChangeAspect="1"/>
+          </p:cNvSpPr>
+          <p:nvPr>
+            <p:ph type="sldImg"/>
+          </p:nvPr>
+        </p:nvSpPr>
+        <p:spPr/>
+      </p:sp>
+      <p:sp>
+        <p:nvSpPr>
+          <p:cNvPr id="3" name="ノート プレースホルダー 2"/>
+          <p:cNvSpPr>
+            <a:spLocks noGrp="1"/>
+          </p:cNvSpPr>
+          <p:nvPr>
+            <p:ph type="body" idx="1"/>
+          </p:nvPr>
+        </p:nvSpPr>
+        <p:spPr/>
+        <p:txBody>
+          <a:bodyPr/>
+          <a:lstStyle/>
+          <a:p>
+            <a:r>
+              <a:rPr lang="ja-JP" altLang="en-US" dirty="0"/>
+              <a:t>「もっとがんばって」はだめだししている</a:t>
+            </a:r>
+            <a:endParaRPr lang="en-US" altLang="ja-JP" dirty="0"/>
+          </a:p>
+          <a:p>
+            <a:r>
+              <a:rPr lang="ja-JP" altLang="en-US" dirty="0"/>
+              <a:t>「期待していますよ」は認めている</a:t>
+            </a:r>
+            <a:endParaRPr lang="zh-CN" altLang="en-US" dirty="0"/>
+          </a:p>
+        </p:txBody>
+      </p:sp>
+      <p:sp>
+        <p:nvSpPr>
+          <p:cNvPr id="4" name="スライド番号プレースホルダー 3"/>
+          <p:cNvSpPr>
+            <a:spLocks noGrp="1"/>
+          </p:cNvSpPr>
+          <p:nvPr>
+            <p:ph type="sldNum" sz="quarter" idx="5"/>
+          </p:nvPr>
+        </p:nvSpPr>
+        <p:spPr/>
+        <p:txBody>
+          <a:bodyPr/>
+          <a:lstStyle/>
+          <a:p>
+            <a:fld id="{F9026B5B-AFF5-4B55-8F45-CE3FE249B0AF}" type="slidenum">
+              <a:rPr lang="zh-CN" altLang="en-US" smtClean="0"/>
+              <a:t>8</a:t>
+            </a:fld>
+            <a:endParaRPr lang="zh-CN" altLang="en-US"/>
+          </a:p>
+        </p:txBody>
+      </p:sp>
+    </p:spTree>
+    <p:extLst>
+      <p:ext uri="{BB962C8B-B14F-4D97-AF65-F5344CB8AC3E}">
+        <p14:creationId xmlns:p14="http://schemas.microsoft.com/office/powerpoint/2010/main" val="2687293924"/>
+      </p:ext>
+    </p:extLst>
+  </p:cSld>
+  <p:clrMapOvr>
+    <a:masterClrMapping/>
+  </p:clrMapOvr>
+</p:notes>
+</file>
+
+<file path=ppt/notesSlides/notesSlide6.xml><?xml version="1.0" encoding="utf-8"?>
+<p:notes xmlns:a="http://schemas.openxmlformats.org/drawingml/2006/main" xmlns:r="http://schemas.openxmlformats.org/officeDocument/2006/relationships" xmlns:p="http://schemas.openxmlformats.org/presentationml/2006/main">
+  <p:cSld>
+    <p:spTree>
+      <p:nvGrpSpPr>
+        <p:cNvPr id="1" name=""/>
+        <p:cNvGrpSpPr/>
+        <p:nvPr/>
+      </p:nvGrpSpPr>
+      <p:grpSpPr>
+        <a:xfrm>
+          <a:off x="0" y="0"/>
+          <a:ext cx="0" cy="0"/>
+          <a:chOff x="0" y="0"/>
+          <a:chExt cx="0" cy="0"/>
+        </a:xfrm>
+      </p:grpSpPr>
+      <p:sp>
+        <p:nvSpPr>
+          <p:cNvPr id="2" name="スライド イメージ プレースホルダー 1"/>
+          <p:cNvSpPr>
+            <a:spLocks noGrp="1" noRot="1" noChangeAspect="1"/>
+          </p:cNvSpPr>
+          <p:nvPr>
+            <p:ph type="sldImg"/>
+          </p:nvPr>
+        </p:nvSpPr>
+        <p:spPr/>
+      </p:sp>
+      <p:sp>
+        <p:nvSpPr>
+          <p:cNvPr id="3" name="ノート プレースホルダー 2"/>
+          <p:cNvSpPr>
+            <a:spLocks noGrp="1"/>
+          </p:cNvSpPr>
+          <p:nvPr>
+            <p:ph type="body" idx="1"/>
+          </p:nvPr>
+        </p:nvSpPr>
+        <p:spPr/>
+        <p:txBody>
+          <a:bodyPr/>
+          <a:lstStyle/>
+          <a:p>
+            <a:r>
+              <a:rPr lang="ja-JP" altLang="en-US" dirty="0"/>
+              <a:t>忙しい相手も聞く耳持ちたくフレーズです</a:t>
+            </a:r>
+            <a:endParaRPr lang="zh-CN" altLang="en-US" dirty="0"/>
+          </a:p>
+        </p:txBody>
+      </p:sp>
+      <p:sp>
+        <p:nvSpPr>
+          <p:cNvPr id="4" name="スライド番号プレースホルダー 3"/>
+          <p:cNvSpPr>
+            <a:spLocks noGrp="1"/>
+          </p:cNvSpPr>
+          <p:nvPr>
+            <p:ph type="sldNum" sz="quarter" idx="5"/>
+          </p:nvPr>
+        </p:nvSpPr>
+        <p:spPr/>
+        <p:txBody>
+          <a:bodyPr/>
+          <a:lstStyle/>
+          <a:p>
+            <a:fld id="{F9026B5B-AFF5-4B55-8F45-CE3FE249B0AF}" type="slidenum">
+              <a:rPr lang="zh-CN" altLang="en-US" smtClean="0"/>
+              <a:t>9</a:t>
+            </a:fld>
+            <a:endParaRPr lang="zh-CN" altLang="en-US"/>
+          </a:p>
+        </p:txBody>
+      </p:sp>
+    </p:spTree>
+    <p:extLst>
+      <p:ext uri="{BB962C8B-B14F-4D97-AF65-F5344CB8AC3E}">
+        <p14:creationId xmlns:p14="http://schemas.microsoft.com/office/powerpoint/2010/main" val="402063849"/>
+      </p:ext>
+    </p:extLst>
+  </p:cSld>
+  <p:clrMapOvr>
+    <a:masterClrMapping/>
+  </p:clrMapOvr>
+</p:notes>
+</file>
+
+<file path=ppt/notesSlides/notesSlide7.xml><?xml version="1.0" encoding="utf-8"?>
+<p:notes xmlns:a="http://schemas.openxmlformats.org/drawingml/2006/main" xmlns:r="http://schemas.openxmlformats.org/officeDocument/2006/relationships" xmlns:p="http://schemas.openxmlformats.org/presentationml/2006/main">
+  <p:cSld>
+    <p:spTree>
+      <p:nvGrpSpPr>
+        <p:cNvPr id="1" name=""/>
+        <p:cNvGrpSpPr/>
+        <p:nvPr/>
+      </p:nvGrpSpPr>
+      <p:grpSpPr>
+        <a:xfrm>
+          <a:off x="0" y="0"/>
+          <a:ext cx="0" cy="0"/>
+          <a:chOff x="0" y="0"/>
+          <a:chExt cx="0" cy="0"/>
+        </a:xfrm>
+      </p:grpSpPr>
+      <p:sp>
+        <p:nvSpPr>
+          <p:cNvPr id="2" name="スライド イメージ プレースホルダー 1"/>
+          <p:cNvSpPr>
+            <a:spLocks noGrp="1" noRot="1" noChangeAspect="1"/>
+          </p:cNvSpPr>
+          <p:nvPr>
+            <p:ph type="sldImg"/>
+          </p:nvPr>
+        </p:nvSpPr>
+        <p:spPr/>
+      </p:sp>
+      <p:sp>
+        <p:nvSpPr>
+          <p:cNvPr id="3" name="ノート プレースホルダー 2"/>
+          <p:cNvSpPr>
+            <a:spLocks noGrp="1"/>
+          </p:cNvSpPr>
+          <p:nvPr>
+            <p:ph type="body" idx="1"/>
+          </p:nvPr>
+        </p:nvSpPr>
+        <p:spPr/>
+        <p:txBody>
+          <a:bodyPr/>
+          <a:lstStyle/>
+          <a:p>
+            <a:r>
+              <a:rPr lang="ja-JP" altLang="en-US" dirty="0"/>
+              <a:t>前向きかつて天寧好感度が高い</a:t>
+            </a:r>
+            <a:endParaRPr lang="en-US" altLang="ja-JP" dirty="0"/>
+          </a:p>
+          <a:p>
+            <a:r>
+              <a:rPr lang="ja-JP" altLang="en-US" dirty="0"/>
+              <a:t>上司や引き取り先などに対して使うフレーズ</a:t>
+            </a:r>
+            <a:endParaRPr lang="zh-CN" altLang="en-US" dirty="0"/>
+          </a:p>
+        </p:txBody>
+      </p:sp>
+      <p:sp>
+        <p:nvSpPr>
+          <p:cNvPr id="4" name="スライド番号プレースホルダー 3"/>
+          <p:cNvSpPr>
+            <a:spLocks noGrp="1"/>
+          </p:cNvSpPr>
+          <p:nvPr>
+            <p:ph type="sldNum" sz="quarter" idx="5"/>
+          </p:nvPr>
+        </p:nvSpPr>
+        <p:spPr/>
+        <p:txBody>
+          <a:bodyPr/>
+          <a:lstStyle/>
+          <a:p>
+            <a:fld id="{F9026B5B-AFF5-4B55-8F45-CE3FE249B0AF}" type="slidenum">
+              <a:rPr lang="zh-CN" altLang="en-US" smtClean="0"/>
+              <a:t>10</a:t>
+            </a:fld>
+            <a:endParaRPr lang="zh-CN" altLang="en-US"/>
+          </a:p>
+        </p:txBody>
+      </p:sp>
+    </p:spTree>
+    <p:extLst>
+      <p:ext uri="{BB962C8B-B14F-4D97-AF65-F5344CB8AC3E}">
+        <p14:creationId xmlns:p14="http://schemas.microsoft.com/office/powerpoint/2010/main" val="2113140472"/>
+      </p:ext>
+    </p:extLst>
+  </p:cSld>
+  <p:clrMapOvr>
+    <a:masterClrMapping/>
+  </p:clrMapOvr>
+</p:notes>
+</file>
+
+<file path=ppt/notesSlides/notesSlide8.xml><?xml version="1.0" encoding="utf-8"?>
+<p:notes xmlns:a="http://schemas.openxmlformats.org/drawingml/2006/main" xmlns:r="http://schemas.openxmlformats.org/officeDocument/2006/relationships" xmlns:p="http://schemas.openxmlformats.org/presentationml/2006/main">
+  <p:cSld>
+    <p:spTree>
+      <p:nvGrpSpPr>
+        <p:cNvPr id="1" name=""/>
+        <p:cNvGrpSpPr/>
+        <p:nvPr/>
+      </p:nvGrpSpPr>
+      <p:grpSpPr>
+        <a:xfrm>
+          <a:off x="0" y="0"/>
+          <a:ext cx="0" cy="0"/>
+          <a:chOff x="0" y="0"/>
+          <a:chExt cx="0" cy="0"/>
+        </a:xfrm>
+      </p:grpSpPr>
+      <p:sp>
+        <p:nvSpPr>
+          <p:cNvPr id="2" name="スライド イメージ プレースホルダー 1"/>
+          <p:cNvSpPr>
+            <a:spLocks noGrp="1" noRot="1" noChangeAspect="1"/>
+          </p:cNvSpPr>
+          <p:nvPr>
+            <p:ph type="sldImg"/>
+          </p:nvPr>
+        </p:nvSpPr>
+        <p:spPr/>
+      </p:sp>
+      <p:sp>
+        <p:nvSpPr>
+          <p:cNvPr id="3" name="ノート プレースホルダー 2"/>
+          <p:cNvSpPr>
+            <a:spLocks noGrp="1"/>
+          </p:cNvSpPr>
+          <p:nvPr>
+            <p:ph type="body" idx="1"/>
+          </p:nvPr>
+        </p:nvSpPr>
+        <p:spPr/>
+        <p:txBody>
+          <a:bodyPr/>
+          <a:lstStyle/>
+          <a:p>
+            <a:r>
+              <a:rPr lang="ja-JP" altLang="en-US" dirty="0"/>
+              <a:t>「くれぐれ」をいれるだけでこころのこもった大人の表現。</a:t>
+            </a:r>
+            <a:endParaRPr lang="zh-CN" altLang="en-US" dirty="0"/>
+          </a:p>
+        </p:txBody>
+      </p:sp>
+      <p:sp>
+        <p:nvSpPr>
+          <p:cNvPr id="4" name="スライド番号プレースホルダー 3"/>
+          <p:cNvSpPr>
+            <a:spLocks noGrp="1"/>
+          </p:cNvSpPr>
+          <p:nvPr>
+            <p:ph type="sldNum" sz="quarter" idx="5"/>
+          </p:nvPr>
+        </p:nvSpPr>
+        <p:spPr/>
+        <p:txBody>
+          <a:bodyPr/>
+          <a:lstStyle/>
+          <a:p>
+            <a:fld id="{F9026B5B-AFF5-4B55-8F45-CE3FE249B0AF}" type="slidenum">
+              <a:rPr lang="zh-CN" altLang="en-US" smtClean="0"/>
+              <a:t>11</a:t>
+            </a:fld>
+            <a:endParaRPr lang="zh-CN" altLang="en-US"/>
+          </a:p>
+        </p:txBody>
+      </p:sp>
+    </p:spTree>
+    <p:extLst>
+      <p:ext uri="{BB962C8B-B14F-4D97-AF65-F5344CB8AC3E}">
+        <p14:creationId xmlns:p14="http://schemas.microsoft.com/office/powerpoint/2010/main" val="1427969394"/>
+      </p:ext>
+    </p:extLst>
+  </p:cSld>
+  <p:clrMapOvr>
+    <a:masterClrMapping/>
+  </p:clrMapOvr>
+</p:notes>
+</file>
+
+<file path=ppt/notesSlides/notesSlide9.xml><?xml version="1.0" encoding="utf-8"?>
+<p:notes xmlns:a="http://schemas.openxmlformats.org/drawingml/2006/main" xmlns:r="http://schemas.openxmlformats.org/officeDocument/2006/relationships" xmlns:p="http://schemas.openxmlformats.org/presentationml/2006/main">
+  <p:cSld>
+    <p:spTree>
+      <p:nvGrpSpPr>
+        <p:cNvPr id="1" name=""/>
+        <p:cNvGrpSpPr/>
+        <p:nvPr/>
+      </p:nvGrpSpPr>
+      <p:grpSpPr>
+        <a:xfrm>
+          <a:off x="0" y="0"/>
+          <a:ext cx="0" cy="0"/>
+          <a:chOff x="0" y="0"/>
+          <a:chExt cx="0" cy="0"/>
+        </a:xfrm>
+      </p:grpSpPr>
+      <p:sp>
+        <p:nvSpPr>
+          <p:cNvPr id="2" name="スライド イメージ プレースホルダー 1"/>
+          <p:cNvSpPr>
+            <a:spLocks noGrp="1" noRot="1" noChangeAspect="1"/>
+          </p:cNvSpPr>
+          <p:nvPr>
+            <p:ph type="sldImg"/>
+          </p:nvPr>
+        </p:nvSpPr>
+        <p:spPr/>
+      </p:sp>
+      <p:sp>
+        <p:nvSpPr>
+          <p:cNvPr id="3" name="ノート プレースホルダー 2"/>
+          <p:cNvSpPr>
+            <a:spLocks noGrp="1"/>
+          </p:cNvSpPr>
+          <p:nvPr>
+            <p:ph type="body" idx="1"/>
+          </p:nvPr>
+        </p:nvSpPr>
+        <p:spPr/>
+        <p:txBody>
+          <a:bodyPr/>
+          <a:lstStyle/>
+          <a:p>
+            <a:r>
+              <a:rPr lang="ja-JP" altLang="en-US" dirty="0"/>
+              <a:t>相手の意見を賛同する時のフレーズです</a:t>
+            </a:r>
+            <a:endParaRPr lang="en-US" altLang="ja-JP" dirty="0"/>
+          </a:p>
+          <a:p>
+            <a:r>
+              <a:rPr lang="ja-JP" altLang="en-US" dirty="0"/>
+              <a:t>相手の意見を一回受け止めると、自分の意見も言いやすくなります。</a:t>
+            </a:r>
+            <a:endParaRPr lang="zh-CN" altLang="en-US" dirty="0"/>
+          </a:p>
+        </p:txBody>
+      </p:sp>
+      <p:sp>
+        <p:nvSpPr>
+          <p:cNvPr id="4" name="スライド番号プレースホルダー 3"/>
+          <p:cNvSpPr>
+            <a:spLocks noGrp="1"/>
+          </p:cNvSpPr>
+          <p:nvPr>
+            <p:ph type="sldNum" sz="quarter" idx="5"/>
+          </p:nvPr>
+        </p:nvSpPr>
+        <p:spPr/>
+        <p:txBody>
+          <a:bodyPr/>
+          <a:lstStyle/>
+          <a:p>
+            <a:fld id="{F9026B5B-AFF5-4B55-8F45-CE3FE249B0AF}" type="slidenum">
+              <a:rPr lang="zh-CN" altLang="en-US" smtClean="0"/>
+              <a:t>12</a:t>
+            </a:fld>
+            <a:endParaRPr lang="zh-CN" altLang="en-US"/>
+          </a:p>
+        </p:txBody>
+      </p:sp>
+    </p:spTree>
+    <p:extLst>
+      <p:ext uri="{BB962C8B-B14F-4D97-AF65-F5344CB8AC3E}">
+        <p14:creationId xmlns:p14="http://schemas.microsoft.com/office/powerpoint/2010/main" val="2160157896"/>
       </p:ext>
     </p:extLst>
   </p:cSld>
@@ -866,7 +1927,7 @@
           <a:p>
             <a:fld id="{88BCA1EF-7779-4140-A78F-3B0B7B298960}" type="datetimeFigureOut">
               <a:rPr lang="zh-CN" altLang="en-US" smtClean="0"/>
-              <a:t>2022/4/21</a:t>
+              <a:t>2022/4/23</a:t>
             </a:fld>
             <a:endParaRPr lang="zh-CN" altLang="en-US"/>
           </a:p>
@@ -1147,7 +2208,7 @@
           <a:p>
             <a:fld id="{88BCA1EF-7779-4140-A78F-3B0B7B298960}" type="datetimeFigureOut">
               <a:rPr lang="zh-CN" altLang="en-US" smtClean="0"/>
-              <a:t>2022/4/21</a:t>
+              <a:t>2022/4/23</a:t>
             </a:fld>
             <a:endParaRPr lang="zh-CN" altLang="en-US"/>
           </a:p>
@@ -1339,7 +2400,7 @@
           <a:p>
             <a:fld id="{88BCA1EF-7779-4140-A78F-3B0B7B298960}" type="datetimeFigureOut">
               <a:rPr lang="zh-CN" altLang="en-US" smtClean="0"/>
-              <a:t>2022/4/21</a:t>
+              <a:t>2022/4/23</a:t>
             </a:fld>
             <a:endParaRPr lang="zh-CN" altLang="en-US"/>
           </a:p>
@@ -1600,7 +2661,7 @@
           <a:p>
             <a:fld id="{88BCA1EF-7779-4140-A78F-3B0B7B298960}" type="datetimeFigureOut">
               <a:rPr lang="zh-CN" altLang="en-US" smtClean="0"/>
-              <a:t>2022/4/21</a:t>
+              <a:t>2022/4/23</a:t>
             </a:fld>
             <a:endParaRPr lang="zh-CN" altLang="en-US"/>
           </a:p>
@@ -2026,7 +3087,7 @@
           <a:p>
             <a:fld id="{88BCA1EF-7779-4140-A78F-3B0B7B298960}" type="datetimeFigureOut">
               <a:rPr lang="zh-CN" altLang="en-US" smtClean="0"/>
-              <a:t>2022/4/21</a:t>
+              <a:t>2022/4/23</a:t>
             </a:fld>
             <a:endParaRPr lang="zh-CN" altLang="en-US"/>
           </a:p>
@@ -2572,7 +3633,7 @@
           <a:p>
             <a:fld id="{88BCA1EF-7779-4140-A78F-3B0B7B298960}" type="datetimeFigureOut">
               <a:rPr lang="zh-CN" altLang="en-US" smtClean="0"/>
-              <a:t>2022/4/21</a:t>
+              <a:t>2022/4/23</a:t>
             </a:fld>
             <a:endParaRPr lang="zh-CN" altLang="en-US"/>
           </a:p>
@@ -3403,7 +4464,7 @@
           <a:p>
             <a:fld id="{88BCA1EF-7779-4140-A78F-3B0B7B298960}" type="datetimeFigureOut">
               <a:rPr lang="zh-CN" altLang="en-US" smtClean="0"/>
-              <a:t>2022/4/21</a:t>
+              <a:t>2022/4/23</a:t>
             </a:fld>
             <a:endParaRPr lang="zh-CN" altLang="en-US"/>
           </a:p>
@@ -3605,7 +4666,7 @@
           <a:p>
             <a:fld id="{88BCA1EF-7779-4140-A78F-3B0B7B298960}" type="datetimeFigureOut">
               <a:rPr lang="zh-CN" altLang="en-US" smtClean="0"/>
-              <a:t>2022/4/21</a:t>
+              <a:t>2022/4/23</a:t>
             </a:fld>
             <a:endParaRPr lang="zh-CN" altLang="en-US"/>
           </a:p>
@@ -3817,7 +4878,7 @@
           <a:p>
             <a:fld id="{88BCA1EF-7779-4140-A78F-3B0B7B298960}" type="datetimeFigureOut">
               <a:rPr lang="zh-CN" altLang="en-US" smtClean="0"/>
-              <a:t>2022/4/21</a:t>
+              <a:t>2022/4/23</a:t>
             </a:fld>
             <a:endParaRPr lang="zh-CN" altLang="en-US"/>
           </a:p>
@@ -4019,7 +5080,7 @@
           <a:p>
             <a:fld id="{88BCA1EF-7779-4140-A78F-3B0B7B298960}" type="datetimeFigureOut">
               <a:rPr lang="zh-CN" altLang="en-US" smtClean="0"/>
-              <a:t>2022/4/21</a:t>
+              <a:t>2022/4/23</a:t>
             </a:fld>
             <a:endParaRPr lang="zh-CN" altLang="en-US"/>
           </a:p>
@@ -4276,7 +5337,7 @@
           <a:p>
             <a:fld id="{88BCA1EF-7779-4140-A78F-3B0B7B298960}" type="datetimeFigureOut">
               <a:rPr lang="zh-CN" altLang="en-US" smtClean="0"/>
-              <a:t>2022/4/21</a:t>
+              <a:t>2022/4/23</a:t>
             </a:fld>
             <a:endParaRPr lang="zh-CN" altLang="en-US"/>
           </a:p>
@@ -4572,7 +5633,7 @@
           <a:p>
             <a:fld id="{88BCA1EF-7779-4140-A78F-3B0B7B298960}" type="datetimeFigureOut">
               <a:rPr lang="zh-CN" altLang="en-US" smtClean="0"/>
-              <a:t>2022/4/21</a:t>
+              <a:t>2022/4/23</a:t>
             </a:fld>
             <a:endParaRPr lang="zh-CN" altLang="en-US"/>
           </a:p>
@@ -5029,7 +6090,7 @@
           <a:p>
             <a:fld id="{88BCA1EF-7779-4140-A78F-3B0B7B298960}" type="datetimeFigureOut">
               <a:rPr lang="zh-CN" altLang="en-US" smtClean="0"/>
-              <a:t>2022/4/21</a:t>
+              <a:t>2022/4/23</a:t>
             </a:fld>
             <a:endParaRPr lang="zh-CN" altLang="en-US"/>
           </a:p>
@@ -5147,7 +6208,7 @@
           <a:p>
             <a:fld id="{88BCA1EF-7779-4140-A78F-3B0B7B298960}" type="datetimeFigureOut">
               <a:rPr lang="zh-CN" altLang="en-US" smtClean="0"/>
-              <a:t>2022/4/21</a:t>
+              <a:t>2022/4/23</a:t>
             </a:fld>
             <a:endParaRPr lang="zh-CN" altLang="en-US"/>
           </a:p>
@@ -5242,7 +6303,7 @@
           <a:p>
             <a:fld id="{88BCA1EF-7779-4140-A78F-3B0B7B298960}" type="datetimeFigureOut">
               <a:rPr lang="zh-CN" altLang="en-US" smtClean="0"/>
-              <a:t>2022/4/21</a:t>
+              <a:t>2022/4/23</a:t>
             </a:fld>
             <a:endParaRPr lang="zh-CN" altLang="en-US"/>
           </a:p>
@@ -5547,7 +6608,7 @@
           <a:p>
             <a:fld id="{88BCA1EF-7779-4140-A78F-3B0B7B298960}" type="datetimeFigureOut">
               <a:rPr lang="zh-CN" altLang="en-US" smtClean="0"/>
-              <a:t>2022/4/21</a:t>
+              <a:t>2022/4/23</a:t>
             </a:fld>
             <a:endParaRPr lang="zh-CN" altLang="en-US"/>
           </a:p>
@@ -5828,7 +6889,7 @@
           <a:p>
             <a:fld id="{88BCA1EF-7779-4140-A78F-3B0B7B298960}" type="datetimeFigureOut">
               <a:rPr lang="zh-CN" altLang="en-US" smtClean="0"/>
-              <a:t>2022/4/21</a:t>
+              <a:t>2022/4/23</a:t>
             </a:fld>
             <a:endParaRPr lang="zh-CN" altLang="en-US"/>
           </a:p>
@@ -6100,7 +7161,7 @@
           <a:p>
             <a:fld id="{88BCA1EF-7779-4140-A78F-3B0B7B298960}" type="datetimeFigureOut">
               <a:rPr lang="zh-CN" altLang="en-US" smtClean="0"/>
-              <a:t>2022/4/21</a:t>
+              <a:t>2022/4/23</a:t>
             </a:fld>
             <a:endParaRPr lang="zh-CN" altLang="en-US"/>
           </a:p>
@@ -6733,6 +7794,1825 @@
 </p:sld>
 </file>
 
+<file path=ppt/slides/slide10.xml><?xml version="1.0" encoding="utf-8"?>
+<p:sld xmlns:a="http://schemas.openxmlformats.org/drawingml/2006/main" xmlns:r="http://schemas.openxmlformats.org/officeDocument/2006/relationships" xmlns:p="http://schemas.openxmlformats.org/presentationml/2006/main">
+  <p:cSld>
+    <p:spTree>
+      <p:nvGrpSpPr>
+        <p:cNvPr id="1" name=""/>
+        <p:cNvGrpSpPr/>
+        <p:nvPr/>
+      </p:nvGrpSpPr>
+      <p:grpSpPr>
+        <a:xfrm>
+          <a:off x="0" y="0"/>
+          <a:ext cx="0" cy="0"/>
+          <a:chOff x="0" y="0"/>
+          <a:chExt cx="0" cy="0"/>
+        </a:xfrm>
+      </p:grpSpPr>
+      <p:sp>
+        <p:nvSpPr>
+          <p:cNvPr id="2" name="タイトル 1">
+            <a:extLst>
+              <a:ext uri="{FF2B5EF4-FFF2-40B4-BE49-F238E27FC236}">
+                <a16:creationId xmlns:a16="http://schemas.microsoft.com/office/drawing/2014/main" id="{482799DB-5880-4736-8162-C974686DBCEC}"/>
+              </a:ext>
+            </a:extLst>
+          </p:cNvPr>
+          <p:cNvSpPr>
+            <a:spLocks noGrp="1"/>
+          </p:cNvSpPr>
+          <p:nvPr>
+            <p:ph type="title"/>
+          </p:nvPr>
+        </p:nvSpPr>
+        <p:spPr/>
+        <p:txBody>
+          <a:bodyPr/>
+          <a:lstStyle/>
+          <a:p>
+            <a:r>
+              <a:rPr lang="ja-JP" altLang="en-US" dirty="0"/>
+              <a:t>３．できる大人の言い回し</a:t>
+            </a:r>
+            <a:endParaRPr lang="zh-CN" altLang="en-US" dirty="0"/>
+          </a:p>
+        </p:txBody>
+      </p:sp>
+      <p:sp>
+        <p:nvSpPr>
+          <p:cNvPr id="3" name="コンテンツ プレースホルダー 2">
+            <a:extLst>
+              <a:ext uri="{FF2B5EF4-FFF2-40B4-BE49-F238E27FC236}">
+                <a16:creationId xmlns:a16="http://schemas.microsoft.com/office/drawing/2014/main" id="{879338B2-4560-48AC-AEA1-4A8B26D62C0A}"/>
+              </a:ext>
+            </a:extLst>
+          </p:cNvPr>
+          <p:cNvSpPr>
+            <a:spLocks noGrp="1"/>
+          </p:cNvSpPr>
+          <p:nvPr>
+            <p:ph idx="1"/>
+          </p:nvPr>
+        </p:nvSpPr>
+        <p:spPr>
+          <a:xfrm>
+            <a:off x="1120000" y="1890678"/>
+            <a:ext cx="10233800" cy="3038161"/>
+          </a:xfrm>
+        </p:spPr>
+        <p:txBody>
+          <a:bodyPr>
+            <a:normAutofit fontScale="92500"/>
+          </a:bodyPr>
+          <a:lstStyle/>
+          <a:p>
+            <a:pPr marL="0" indent="0">
+              <a:buNone/>
+            </a:pPr>
+            <a:r>
+              <a:rPr lang="ja-JP" altLang="en-US" sz="6000" dirty="0"/>
+              <a:t>何でも言ってください。</a:t>
+            </a:r>
+            <a:endParaRPr lang="en-US" altLang="ja-JP" sz="6000" dirty="0"/>
+          </a:p>
+          <a:p>
+            <a:pPr marL="0" indent="0">
+              <a:buNone/>
+            </a:pPr>
+            <a:endParaRPr lang="en-US" altLang="ja-JP" sz="6000" dirty="0"/>
+          </a:p>
+          <a:p>
+            <a:pPr marL="0" indent="0">
+              <a:buNone/>
+            </a:pPr>
+            <a:r>
+              <a:rPr lang="ja-JP" altLang="en-US" sz="6000" dirty="0"/>
+              <a:t>⇒何なりとお申し付けください。</a:t>
+            </a:r>
+            <a:endParaRPr lang="en-US" altLang="ja-JP" sz="6000" dirty="0"/>
+          </a:p>
+        </p:txBody>
+      </p:sp>
+    </p:spTree>
+    <p:extLst>
+      <p:ext uri="{BB962C8B-B14F-4D97-AF65-F5344CB8AC3E}">
+        <p14:creationId xmlns:p14="http://schemas.microsoft.com/office/powerpoint/2010/main" val="133582642"/>
+      </p:ext>
+    </p:extLst>
+  </p:cSld>
+  <p:clrMapOvr>
+    <a:masterClrMapping/>
+  </p:clrMapOvr>
+  <p:timing>
+    <p:tnLst>
+      <p:par>
+        <p:cTn id="1" dur="indefinite" restart="never" nodeType="tmRoot">
+          <p:childTnLst>
+            <p:seq concurrent="1" nextAc="seek">
+              <p:cTn id="2" dur="indefinite" nodeType="mainSeq">
+                <p:childTnLst>
+                  <p:par>
+                    <p:cTn id="3" fill="hold">
+                      <p:stCondLst>
+                        <p:cond delay="indefinite"/>
+                      </p:stCondLst>
+                      <p:childTnLst>
+                        <p:par>
+                          <p:cTn id="4" fill="hold">
+                            <p:stCondLst>
+                              <p:cond delay="0"/>
+                            </p:stCondLst>
+                            <p:childTnLst>
+                              <p:par>
+                                <p:cTn id="5" presetID="2" presetClass="entr" presetSubtype="4" fill="hold" nodeType="clickEffect">
+                                  <p:stCondLst>
+                                    <p:cond delay="0"/>
+                                  </p:stCondLst>
+                                  <p:childTnLst>
+                                    <p:set>
+                                      <p:cBhvr>
+                                        <p:cTn id="6" dur="1" fill="hold">
+                                          <p:stCondLst>
+                                            <p:cond delay="0"/>
+                                          </p:stCondLst>
+                                        </p:cTn>
+                                        <p:tgtEl>
+                                          <p:spTgt spid="3">
+                                            <p:txEl>
+                                              <p:pRg st="0" end="0"/>
+                                            </p:txEl>
+                                          </p:spTgt>
+                                        </p:tgtEl>
+                                        <p:attrNameLst>
+                                          <p:attrName>style.visibility</p:attrName>
+                                        </p:attrNameLst>
+                                      </p:cBhvr>
+                                      <p:to>
+                                        <p:strVal val="visible"/>
+                                      </p:to>
+                                    </p:set>
+                                    <p:anim calcmode="lin" valueType="num">
+                                      <p:cBhvr additive="base">
+                                        <p:cTn id="7" dur="500" fill="hold"/>
+                                        <p:tgtEl>
+                                          <p:spTgt spid="3">
+                                            <p:txEl>
+                                              <p:pRg st="0" end="0"/>
+                                            </p:txEl>
+                                          </p:spTgt>
+                                        </p:tgtEl>
+                                        <p:attrNameLst>
+                                          <p:attrName>ppt_x</p:attrName>
+                                        </p:attrNameLst>
+                                      </p:cBhvr>
+                                      <p:tavLst>
+                                        <p:tav tm="0">
+                                          <p:val>
+                                            <p:strVal val="#ppt_x"/>
+                                          </p:val>
+                                        </p:tav>
+                                        <p:tav tm="100000">
+                                          <p:val>
+                                            <p:strVal val="#ppt_x"/>
+                                          </p:val>
+                                        </p:tav>
+                                      </p:tavLst>
+                                    </p:anim>
+                                    <p:anim calcmode="lin" valueType="num">
+                                      <p:cBhvr additive="base">
+                                        <p:cTn id="8" dur="500" fill="hold"/>
+                                        <p:tgtEl>
+                                          <p:spTgt spid="3">
+                                            <p:txEl>
+                                              <p:pRg st="0" end="0"/>
+                                            </p:txEl>
+                                          </p:spTgt>
+                                        </p:tgtEl>
+                                        <p:attrNameLst>
+                                          <p:attrName>ppt_y</p:attrName>
+                                        </p:attrNameLst>
+                                      </p:cBhvr>
+                                      <p:tavLst>
+                                        <p:tav tm="0">
+                                          <p:val>
+                                            <p:strVal val="1+#ppt_h/2"/>
+                                          </p:val>
+                                        </p:tav>
+                                        <p:tav tm="100000">
+                                          <p:val>
+                                            <p:strVal val="#ppt_y"/>
+                                          </p:val>
+                                        </p:tav>
+                                      </p:tavLst>
+                                    </p:anim>
+                                  </p:childTnLst>
+                                </p:cTn>
+                              </p:par>
+                            </p:childTnLst>
+                          </p:cTn>
+                        </p:par>
+                      </p:childTnLst>
+                    </p:cTn>
+                  </p:par>
+                  <p:par>
+                    <p:cTn id="9" fill="hold">
+                      <p:stCondLst>
+                        <p:cond delay="indefinite"/>
+                      </p:stCondLst>
+                      <p:childTnLst>
+                        <p:par>
+                          <p:cTn id="10" fill="hold">
+                            <p:stCondLst>
+                              <p:cond delay="0"/>
+                            </p:stCondLst>
+                            <p:childTnLst>
+                              <p:par>
+                                <p:cTn id="11" presetID="2" presetClass="entr" presetSubtype="4" fill="hold" nodeType="clickEffect">
+                                  <p:stCondLst>
+                                    <p:cond delay="0"/>
+                                  </p:stCondLst>
+                                  <p:childTnLst>
+                                    <p:set>
+                                      <p:cBhvr>
+                                        <p:cTn id="12" dur="1" fill="hold">
+                                          <p:stCondLst>
+                                            <p:cond delay="0"/>
+                                          </p:stCondLst>
+                                        </p:cTn>
+                                        <p:tgtEl>
+                                          <p:spTgt spid="3">
+                                            <p:txEl>
+                                              <p:pRg st="2" end="2"/>
+                                            </p:txEl>
+                                          </p:spTgt>
+                                        </p:tgtEl>
+                                        <p:attrNameLst>
+                                          <p:attrName>style.visibility</p:attrName>
+                                        </p:attrNameLst>
+                                      </p:cBhvr>
+                                      <p:to>
+                                        <p:strVal val="visible"/>
+                                      </p:to>
+                                    </p:set>
+                                    <p:anim calcmode="lin" valueType="num">
+                                      <p:cBhvr additive="base">
+                                        <p:cTn id="13" dur="500" fill="hold"/>
+                                        <p:tgtEl>
+                                          <p:spTgt spid="3">
+                                            <p:txEl>
+                                              <p:pRg st="2" end="2"/>
+                                            </p:txEl>
+                                          </p:spTgt>
+                                        </p:tgtEl>
+                                        <p:attrNameLst>
+                                          <p:attrName>ppt_x</p:attrName>
+                                        </p:attrNameLst>
+                                      </p:cBhvr>
+                                      <p:tavLst>
+                                        <p:tav tm="0">
+                                          <p:val>
+                                            <p:strVal val="#ppt_x"/>
+                                          </p:val>
+                                        </p:tav>
+                                        <p:tav tm="100000">
+                                          <p:val>
+                                            <p:strVal val="#ppt_x"/>
+                                          </p:val>
+                                        </p:tav>
+                                      </p:tavLst>
+                                    </p:anim>
+                                    <p:anim calcmode="lin" valueType="num">
+                                      <p:cBhvr additive="base">
+                                        <p:cTn id="14" dur="500" fill="hold"/>
+                                        <p:tgtEl>
+                                          <p:spTgt spid="3">
+                                            <p:txEl>
+                                              <p:pRg st="2" end="2"/>
+                                            </p:txEl>
+                                          </p:spTgt>
+                                        </p:tgtEl>
+                                        <p:attrNameLst>
+                                          <p:attrName>ppt_y</p:attrName>
+                                        </p:attrNameLst>
+                                      </p:cBhvr>
+                                      <p:tavLst>
+                                        <p:tav tm="0">
+                                          <p:val>
+                                            <p:strVal val="1+#ppt_h/2"/>
+                                          </p:val>
+                                        </p:tav>
+                                        <p:tav tm="100000">
+                                          <p:val>
+                                            <p:strVal val="#ppt_y"/>
+                                          </p:val>
+                                        </p:tav>
+                                      </p:tavLst>
+                                    </p:anim>
+                                  </p:childTnLst>
+                                </p:cTn>
+                              </p:par>
+                            </p:childTnLst>
+                          </p:cTn>
+                        </p:par>
+                      </p:childTnLst>
+                    </p:cTn>
+                  </p:par>
+                </p:childTnLst>
+              </p:cTn>
+              <p:prevCondLst>
+                <p:cond evt="onPrev" delay="0">
+                  <p:tgtEl>
+                    <p:sldTgt/>
+                  </p:tgtEl>
+                </p:cond>
+              </p:prevCondLst>
+              <p:nextCondLst>
+                <p:cond evt="onNext" delay="0">
+                  <p:tgtEl>
+                    <p:sldTgt/>
+                  </p:tgtEl>
+                </p:cond>
+              </p:nextCondLst>
+            </p:seq>
+          </p:childTnLst>
+        </p:cTn>
+      </p:par>
+    </p:tnLst>
+  </p:timing>
+</p:sld>
+</file>
+
+<file path=ppt/slides/slide11.xml><?xml version="1.0" encoding="utf-8"?>
+<p:sld xmlns:a="http://schemas.openxmlformats.org/drawingml/2006/main" xmlns:r="http://schemas.openxmlformats.org/officeDocument/2006/relationships" xmlns:p="http://schemas.openxmlformats.org/presentationml/2006/main">
+  <p:cSld>
+    <p:spTree>
+      <p:nvGrpSpPr>
+        <p:cNvPr id="1" name=""/>
+        <p:cNvGrpSpPr/>
+        <p:nvPr/>
+      </p:nvGrpSpPr>
+      <p:grpSpPr>
+        <a:xfrm>
+          <a:off x="0" y="0"/>
+          <a:ext cx="0" cy="0"/>
+          <a:chOff x="0" y="0"/>
+          <a:chExt cx="0" cy="0"/>
+        </a:xfrm>
+      </p:grpSpPr>
+      <p:sp>
+        <p:nvSpPr>
+          <p:cNvPr id="2" name="タイトル 1">
+            <a:extLst>
+              <a:ext uri="{FF2B5EF4-FFF2-40B4-BE49-F238E27FC236}">
+                <a16:creationId xmlns:a16="http://schemas.microsoft.com/office/drawing/2014/main" id="{482799DB-5880-4736-8162-C974686DBCEC}"/>
+              </a:ext>
+            </a:extLst>
+          </p:cNvPr>
+          <p:cNvSpPr>
+            <a:spLocks noGrp="1"/>
+          </p:cNvSpPr>
+          <p:nvPr>
+            <p:ph type="title"/>
+          </p:nvPr>
+        </p:nvSpPr>
+        <p:spPr/>
+        <p:txBody>
+          <a:bodyPr/>
+          <a:lstStyle/>
+          <a:p>
+            <a:r>
+              <a:rPr lang="ja-JP" altLang="en-US" dirty="0"/>
+              <a:t>３．できる大人の言い回し</a:t>
+            </a:r>
+            <a:endParaRPr lang="zh-CN" altLang="en-US" dirty="0"/>
+          </a:p>
+        </p:txBody>
+      </p:sp>
+      <p:sp>
+        <p:nvSpPr>
+          <p:cNvPr id="3" name="コンテンツ プレースホルダー 2">
+            <a:extLst>
+              <a:ext uri="{FF2B5EF4-FFF2-40B4-BE49-F238E27FC236}">
+                <a16:creationId xmlns:a16="http://schemas.microsoft.com/office/drawing/2014/main" id="{879338B2-4560-48AC-AEA1-4A8B26D62C0A}"/>
+              </a:ext>
+            </a:extLst>
+          </p:cNvPr>
+          <p:cNvSpPr>
+            <a:spLocks noGrp="1"/>
+          </p:cNvSpPr>
+          <p:nvPr>
+            <p:ph idx="1"/>
+          </p:nvPr>
+        </p:nvSpPr>
+        <p:spPr>
+          <a:xfrm>
+            <a:off x="1120000" y="1890678"/>
+            <a:ext cx="10233800" cy="3038161"/>
+          </a:xfrm>
+        </p:spPr>
+        <p:txBody>
+          <a:bodyPr>
+            <a:normAutofit fontScale="92500" lnSpcReduction="20000"/>
+          </a:bodyPr>
+          <a:lstStyle/>
+          <a:p>
+            <a:pPr marL="0" indent="0">
+              <a:buNone/>
+            </a:pPr>
+            <a:r>
+              <a:rPr lang="ja-JP" altLang="en-US" sz="6000" dirty="0"/>
+              <a:t>お大事にしてください。</a:t>
+            </a:r>
+            <a:endParaRPr lang="en-US" altLang="ja-JP" sz="6000" dirty="0"/>
+          </a:p>
+          <a:p>
+            <a:pPr marL="0" indent="0">
+              <a:buNone/>
+            </a:pPr>
+            <a:endParaRPr lang="en-US" altLang="ja-JP" sz="6000" dirty="0"/>
+          </a:p>
+          <a:p>
+            <a:pPr marL="0" indent="0">
+              <a:buNone/>
+            </a:pPr>
+            <a:r>
+              <a:rPr lang="ja-JP" altLang="en-US" sz="6000" dirty="0"/>
+              <a:t>⇒くれぐれもお大事にしてください。</a:t>
+            </a:r>
+            <a:endParaRPr lang="en-US" altLang="ja-JP" sz="6000" dirty="0"/>
+          </a:p>
+        </p:txBody>
+      </p:sp>
+    </p:spTree>
+    <p:extLst>
+      <p:ext uri="{BB962C8B-B14F-4D97-AF65-F5344CB8AC3E}">
+        <p14:creationId xmlns:p14="http://schemas.microsoft.com/office/powerpoint/2010/main" val="2293140746"/>
+      </p:ext>
+    </p:extLst>
+  </p:cSld>
+  <p:clrMapOvr>
+    <a:masterClrMapping/>
+  </p:clrMapOvr>
+  <p:timing>
+    <p:tnLst>
+      <p:par>
+        <p:cTn id="1" dur="indefinite" restart="never" nodeType="tmRoot">
+          <p:childTnLst>
+            <p:seq concurrent="1" nextAc="seek">
+              <p:cTn id="2" dur="indefinite" nodeType="mainSeq">
+                <p:childTnLst>
+                  <p:par>
+                    <p:cTn id="3" fill="hold">
+                      <p:stCondLst>
+                        <p:cond delay="indefinite"/>
+                      </p:stCondLst>
+                      <p:childTnLst>
+                        <p:par>
+                          <p:cTn id="4" fill="hold">
+                            <p:stCondLst>
+                              <p:cond delay="0"/>
+                            </p:stCondLst>
+                            <p:childTnLst>
+                              <p:par>
+                                <p:cTn id="5" presetID="2" presetClass="entr" presetSubtype="4" fill="hold" nodeType="clickEffect">
+                                  <p:stCondLst>
+                                    <p:cond delay="0"/>
+                                  </p:stCondLst>
+                                  <p:childTnLst>
+                                    <p:set>
+                                      <p:cBhvr>
+                                        <p:cTn id="6" dur="1" fill="hold">
+                                          <p:stCondLst>
+                                            <p:cond delay="0"/>
+                                          </p:stCondLst>
+                                        </p:cTn>
+                                        <p:tgtEl>
+                                          <p:spTgt spid="3">
+                                            <p:txEl>
+                                              <p:pRg st="0" end="0"/>
+                                            </p:txEl>
+                                          </p:spTgt>
+                                        </p:tgtEl>
+                                        <p:attrNameLst>
+                                          <p:attrName>style.visibility</p:attrName>
+                                        </p:attrNameLst>
+                                      </p:cBhvr>
+                                      <p:to>
+                                        <p:strVal val="visible"/>
+                                      </p:to>
+                                    </p:set>
+                                    <p:anim calcmode="lin" valueType="num">
+                                      <p:cBhvr additive="base">
+                                        <p:cTn id="7" dur="500" fill="hold"/>
+                                        <p:tgtEl>
+                                          <p:spTgt spid="3">
+                                            <p:txEl>
+                                              <p:pRg st="0" end="0"/>
+                                            </p:txEl>
+                                          </p:spTgt>
+                                        </p:tgtEl>
+                                        <p:attrNameLst>
+                                          <p:attrName>ppt_x</p:attrName>
+                                        </p:attrNameLst>
+                                      </p:cBhvr>
+                                      <p:tavLst>
+                                        <p:tav tm="0">
+                                          <p:val>
+                                            <p:strVal val="#ppt_x"/>
+                                          </p:val>
+                                        </p:tav>
+                                        <p:tav tm="100000">
+                                          <p:val>
+                                            <p:strVal val="#ppt_x"/>
+                                          </p:val>
+                                        </p:tav>
+                                      </p:tavLst>
+                                    </p:anim>
+                                    <p:anim calcmode="lin" valueType="num">
+                                      <p:cBhvr additive="base">
+                                        <p:cTn id="8" dur="500" fill="hold"/>
+                                        <p:tgtEl>
+                                          <p:spTgt spid="3">
+                                            <p:txEl>
+                                              <p:pRg st="0" end="0"/>
+                                            </p:txEl>
+                                          </p:spTgt>
+                                        </p:tgtEl>
+                                        <p:attrNameLst>
+                                          <p:attrName>ppt_y</p:attrName>
+                                        </p:attrNameLst>
+                                      </p:cBhvr>
+                                      <p:tavLst>
+                                        <p:tav tm="0">
+                                          <p:val>
+                                            <p:strVal val="1+#ppt_h/2"/>
+                                          </p:val>
+                                        </p:tav>
+                                        <p:tav tm="100000">
+                                          <p:val>
+                                            <p:strVal val="#ppt_y"/>
+                                          </p:val>
+                                        </p:tav>
+                                      </p:tavLst>
+                                    </p:anim>
+                                  </p:childTnLst>
+                                </p:cTn>
+                              </p:par>
+                            </p:childTnLst>
+                          </p:cTn>
+                        </p:par>
+                      </p:childTnLst>
+                    </p:cTn>
+                  </p:par>
+                  <p:par>
+                    <p:cTn id="9" fill="hold">
+                      <p:stCondLst>
+                        <p:cond delay="indefinite"/>
+                      </p:stCondLst>
+                      <p:childTnLst>
+                        <p:par>
+                          <p:cTn id="10" fill="hold">
+                            <p:stCondLst>
+                              <p:cond delay="0"/>
+                            </p:stCondLst>
+                            <p:childTnLst>
+                              <p:par>
+                                <p:cTn id="11" presetID="2" presetClass="entr" presetSubtype="4" fill="hold" nodeType="clickEffect">
+                                  <p:stCondLst>
+                                    <p:cond delay="0"/>
+                                  </p:stCondLst>
+                                  <p:childTnLst>
+                                    <p:set>
+                                      <p:cBhvr>
+                                        <p:cTn id="12" dur="1" fill="hold">
+                                          <p:stCondLst>
+                                            <p:cond delay="0"/>
+                                          </p:stCondLst>
+                                        </p:cTn>
+                                        <p:tgtEl>
+                                          <p:spTgt spid="3">
+                                            <p:txEl>
+                                              <p:pRg st="2" end="2"/>
+                                            </p:txEl>
+                                          </p:spTgt>
+                                        </p:tgtEl>
+                                        <p:attrNameLst>
+                                          <p:attrName>style.visibility</p:attrName>
+                                        </p:attrNameLst>
+                                      </p:cBhvr>
+                                      <p:to>
+                                        <p:strVal val="visible"/>
+                                      </p:to>
+                                    </p:set>
+                                    <p:anim calcmode="lin" valueType="num">
+                                      <p:cBhvr additive="base">
+                                        <p:cTn id="13" dur="500" fill="hold"/>
+                                        <p:tgtEl>
+                                          <p:spTgt spid="3">
+                                            <p:txEl>
+                                              <p:pRg st="2" end="2"/>
+                                            </p:txEl>
+                                          </p:spTgt>
+                                        </p:tgtEl>
+                                        <p:attrNameLst>
+                                          <p:attrName>ppt_x</p:attrName>
+                                        </p:attrNameLst>
+                                      </p:cBhvr>
+                                      <p:tavLst>
+                                        <p:tav tm="0">
+                                          <p:val>
+                                            <p:strVal val="#ppt_x"/>
+                                          </p:val>
+                                        </p:tav>
+                                        <p:tav tm="100000">
+                                          <p:val>
+                                            <p:strVal val="#ppt_x"/>
+                                          </p:val>
+                                        </p:tav>
+                                      </p:tavLst>
+                                    </p:anim>
+                                    <p:anim calcmode="lin" valueType="num">
+                                      <p:cBhvr additive="base">
+                                        <p:cTn id="14" dur="500" fill="hold"/>
+                                        <p:tgtEl>
+                                          <p:spTgt spid="3">
+                                            <p:txEl>
+                                              <p:pRg st="2" end="2"/>
+                                            </p:txEl>
+                                          </p:spTgt>
+                                        </p:tgtEl>
+                                        <p:attrNameLst>
+                                          <p:attrName>ppt_y</p:attrName>
+                                        </p:attrNameLst>
+                                      </p:cBhvr>
+                                      <p:tavLst>
+                                        <p:tav tm="0">
+                                          <p:val>
+                                            <p:strVal val="1+#ppt_h/2"/>
+                                          </p:val>
+                                        </p:tav>
+                                        <p:tav tm="100000">
+                                          <p:val>
+                                            <p:strVal val="#ppt_y"/>
+                                          </p:val>
+                                        </p:tav>
+                                      </p:tavLst>
+                                    </p:anim>
+                                  </p:childTnLst>
+                                </p:cTn>
+                              </p:par>
+                            </p:childTnLst>
+                          </p:cTn>
+                        </p:par>
+                      </p:childTnLst>
+                    </p:cTn>
+                  </p:par>
+                </p:childTnLst>
+              </p:cTn>
+              <p:prevCondLst>
+                <p:cond evt="onPrev" delay="0">
+                  <p:tgtEl>
+                    <p:sldTgt/>
+                  </p:tgtEl>
+                </p:cond>
+              </p:prevCondLst>
+              <p:nextCondLst>
+                <p:cond evt="onNext" delay="0">
+                  <p:tgtEl>
+                    <p:sldTgt/>
+                  </p:tgtEl>
+                </p:cond>
+              </p:nextCondLst>
+            </p:seq>
+          </p:childTnLst>
+        </p:cTn>
+      </p:par>
+    </p:tnLst>
+  </p:timing>
+</p:sld>
+</file>
+
+<file path=ppt/slides/slide12.xml><?xml version="1.0" encoding="utf-8"?>
+<p:sld xmlns:a="http://schemas.openxmlformats.org/drawingml/2006/main" xmlns:r="http://schemas.openxmlformats.org/officeDocument/2006/relationships" xmlns:p="http://schemas.openxmlformats.org/presentationml/2006/main">
+  <p:cSld>
+    <p:spTree>
+      <p:nvGrpSpPr>
+        <p:cNvPr id="1" name=""/>
+        <p:cNvGrpSpPr/>
+        <p:nvPr/>
+      </p:nvGrpSpPr>
+      <p:grpSpPr>
+        <a:xfrm>
+          <a:off x="0" y="0"/>
+          <a:ext cx="0" cy="0"/>
+          <a:chOff x="0" y="0"/>
+          <a:chExt cx="0" cy="0"/>
+        </a:xfrm>
+      </p:grpSpPr>
+      <p:sp>
+        <p:nvSpPr>
+          <p:cNvPr id="2" name="タイトル 1">
+            <a:extLst>
+              <a:ext uri="{FF2B5EF4-FFF2-40B4-BE49-F238E27FC236}">
+                <a16:creationId xmlns:a16="http://schemas.microsoft.com/office/drawing/2014/main" id="{482799DB-5880-4736-8162-C974686DBCEC}"/>
+              </a:ext>
+            </a:extLst>
+          </p:cNvPr>
+          <p:cNvSpPr>
+            <a:spLocks noGrp="1"/>
+          </p:cNvSpPr>
+          <p:nvPr>
+            <p:ph type="title"/>
+          </p:nvPr>
+        </p:nvSpPr>
+        <p:spPr/>
+        <p:txBody>
+          <a:bodyPr/>
+          <a:lstStyle/>
+          <a:p>
+            <a:r>
+              <a:rPr lang="ja-JP" altLang="en-US" dirty="0"/>
+              <a:t>３．できる大人の言い回し</a:t>
+            </a:r>
+            <a:endParaRPr lang="zh-CN" altLang="en-US" dirty="0"/>
+          </a:p>
+        </p:txBody>
+      </p:sp>
+      <p:sp>
+        <p:nvSpPr>
+          <p:cNvPr id="3" name="コンテンツ プレースホルダー 2">
+            <a:extLst>
+              <a:ext uri="{FF2B5EF4-FFF2-40B4-BE49-F238E27FC236}">
+                <a16:creationId xmlns:a16="http://schemas.microsoft.com/office/drawing/2014/main" id="{879338B2-4560-48AC-AEA1-4A8B26D62C0A}"/>
+              </a:ext>
+            </a:extLst>
+          </p:cNvPr>
+          <p:cNvSpPr>
+            <a:spLocks noGrp="1"/>
+          </p:cNvSpPr>
+          <p:nvPr>
+            <p:ph idx="1"/>
+          </p:nvPr>
+        </p:nvSpPr>
+        <p:spPr>
+          <a:xfrm>
+            <a:off x="1120000" y="1890678"/>
+            <a:ext cx="10233800" cy="3038161"/>
+          </a:xfrm>
+        </p:spPr>
+        <p:txBody>
+          <a:bodyPr>
+            <a:normAutofit/>
+          </a:bodyPr>
+          <a:lstStyle/>
+          <a:p>
+            <a:pPr marL="0" indent="0">
+              <a:buNone/>
+            </a:pPr>
+            <a:r>
+              <a:rPr lang="ja-JP" altLang="en-US" sz="6000" dirty="0"/>
+              <a:t>確かにその通りです。</a:t>
+            </a:r>
+            <a:endParaRPr lang="en-US" altLang="ja-JP" sz="6000" dirty="0"/>
+          </a:p>
+          <a:p>
+            <a:pPr marL="0" indent="0">
+              <a:buNone/>
+            </a:pPr>
+            <a:endParaRPr lang="en-US" altLang="ja-JP" sz="6000" dirty="0"/>
+          </a:p>
+          <a:p>
+            <a:pPr marL="0" indent="0">
+              <a:buNone/>
+            </a:pPr>
+            <a:r>
+              <a:rPr lang="ja-JP" altLang="en-US" sz="6000" dirty="0"/>
+              <a:t>⇒おっしゃる通りです。</a:t>
+            </a:r>
+            <a:endParaRPr lang="en-US" altLang="ja-JP" sz="6000" dirty="0"/>
+          </a:p>
+        </p:txBody>
+      </p:sp>
+    </p:spTree>
+    <p:extLst>
+      <p:ext uri="{BB962C8B-B14F-4D97-AF65-F5344CB8AC3E}">
+        <p14:creationId xmlns:p14="http://schemas.microsoft.com/office/powerpoint/2010/main" val="1877809107"/>
+      </p:ext>
+    </p:extLst>
+  </p:cSld>
+  <p:clrMapOvr>
+    <a:masterClrMapping/>
+  </p:clrMapOvr>
+  <p:timing>
+    <p:tnLst>
+      <p:par>
+        <p:cTn id="1" dur="indefinite" restart="never" nodeType="tmRoot">
+          <p:childTnLst>
+            <p:seq concurrent="1" nextAc="seek">
+              <p:cTn id="2" dur="indefinite" nodeType="mainSeq">
+                <p:childTnLst>
+                  <p:par>
+                    <p:cTn id="3" fill="hold">
+                      <p:stCondLst>
+                        <p:cond delay="indefinite"/>
+                      </p:stCondLst>
+                      <p:childTnLst>
+                        <p:par>
+                          <p:cTn id="4" fill="hold">
+                            <p:stCondLst>
+                              <p:cond delay="0"/>
+                            </p:stCondLst>
+                            <p:childTnLst>
+                              <p:par>
+                                <p:cTn id="5" presetID="2" presetClass="entr" presetSubtype="4" fill="hold" nodeType="clickEffect">
+                                  <p:stCondLst>
+                                    <p:cond delay="0"/>
+                                  </p:stCondLst>
+                                  <p:childTnLst>
+                                    <p:set>
+                                      <p:cBhvr>
+                                        <p:cTn id="6" dur="1" fill="hold">
+                                          <p:stCondLst>
+                                            <p:cond delay="0"/>
+                                          </p:stCondLst>
+                                        </p:cTn>
+                                        <p:tgtEl>
+                                          <p:spTgt spid="3">
+                                            <p:txEl>
+                                              <p:pRg st="0" end="0"/>
+                                            </p:txEl>
+                                          </p:spTgt>
+                                        </p:tgtEl>
+                                        <p:attrNameLst>
+                                          <p:attrName>style.visibility</p:attrName>
+                                        </p:attrNameLst>
+                                      </p:cBhvr>
+                                      <p:to>
+                                        <p:strVal val="visible"/>
+                                      </p:to>
+                                    </p:set>
+                                    <p:anim calcmode="lin" valueType="num">
+                                      <p:cBhvr additive="base">
+                                        <p:cTn id="7" dur="500" fill="hold"/>
+                                        <p:tgtEl>
+                                          <p:spTgt spid="3">
+                                            <p:txEl>
+                                              <p:pRg st="0" end="0"/>
+                                            </p:txEl>
+                                          </p:spTgt>
+                                        </p:tgtEl>
+                                        <p:attrNameLst>
+                                          <p:attrName>ppt_x</p:attrName>
+                                        </p:attrNameLst>
+                                      </p:cBhvr>
+                                      <p:tavLst>
+                                        <p:tav tm="0">
+                                          <p:val>
+                                            <p:strVal val="#ppt_x"/>
+                                          </p:val>
+                                        </p:tav>
+                                        <p:tav tm="100000">
+                                          <p:val>
+                                            <p:strVal val="#ppt_x"/>
+                                          </p:val>
+                                        </p:tav>
+                                      </p:tavLst>
+                                    </p:anim>
+                                    <p:anim calcmode="lin" valueType="num">
+                                      <p:cBhvr additive="base">
+                                        <p:cTn id="8" dur="500" fill="hold"/>
+                                        <p:tgtEl>
+                                          <p:spTgt spid="3">
+                                            <p:txEl>
+                                              <p:pRg st="0" end="0"/>
+                                            </p:txEl>
+                                          </p:spTgt>
+                                        </p:tgtEl>
+                                        <p:attrNameLst>
+                                          <p:attrName>ppt_y</p:attrName>
+                                        </p:attrNameLst>
+                                      </p:cBhvr>
+                                      <p:tavLst>
+                                        <p:tav tm="0">
+                                          <p:val>
+                                            <p:strVal val="1+#ppt_h/2"/>
+                                          </p:val>
+                                        </p:tav>
+                                        <p:tav tm="100000">
+                                          <p:val>
+                                            <p:strVal val="#ppt_y"/>
+                                          </p:val>
+                                        </p:tav>
+                                      </p:tavLst>
+                                    </p:anim>
+                                  </p:childTnLst>
+                                </p:cTn>
+                              </p:par>
+                            </p:childTnLst>
+                          </p:cTn>
+                        </p:par>
+                      </p:childTnLst>
+                    </p:cTn>
+                  </p:par>
+                  <p:par>
+                    <p:cTn id="9" fill="hold">
+                      <p:stCondLst>
+                        <p:cond delay="indefinite"/>
+                      </p:stCondLst>
+                      <p:childTnLst>
+                        <p:par>
+                          <p:cTn id="10" fill="hold">
+                            <p:stCondLst>
+                              <p:cond delay="0"/>
+                            </p:stCondLst>
+                            <p:childTnLst>
+                              <p:par>
+                                <p:cTn id="11" presetID="2" presetClass="entr" presetSubtype="4" fill="hold" nodeType="clickEffect">
+                                  <p:stCondLst>
+                                    <p:cond delay="0"/>
+                                  </p:stCondLst>
+                                  <p:childTnLst>
+                                    <p:set>
+                                      <p:cBhvr>
+                                        <p:cTn id="12" dur="1" fill="hold">
+                                          <p:stCondLst>
+                                            <p:cond delay="0"/>
+                                          </p:stCondLst>
+                                        </p:cTn>
+                                        <p:tgtEl>
+                                          <p:spTgt spid="3">
+                                            <p:txEl>
+                                              <p:pRg st="2" end="2"/>
+                                            </p:txEl>
+                                          </p:spTgt>
+                                        </p:tgtEl>
+                                        <p:attrNameLst>
+                                          <p:attrName>style.visibility</p:attrName>
+                                        </p:attrNameLst>
+                                      </p:cBhvr>
+                                      <p:to>
+                                        <p:strVal val="visible"/>
+                                      </p:to>
+                                    </p:set>
+                                    <p:anim calcmode="lin" valueType="num">
+                                      <p:cBhvr additive="base">
+                                        <p:cTn id="13" dur="500" fill="hold"/>
+                                        <p:tgtEl>
+                                          <p:spTgt spid="3">
+                                            <p:txEl>
+                                              <p:pRg st="2" end="2"/>
+                                            </p:txEl>
+                                          </p:spTgt>
+                                        </p:tgtEl>
+                                        <p:attrNameLst>
+                                          <p:attrName>ppt_x</p:attrName>
+                                        </p:attrNameLst>
+                                      </p:cBhvr>
+                                      <p:tavLst>
+                                        <p:tav tm="0">
+                                          <p:val>
+                                            <p:strVal val="#ppt_x"/>
+                                          </p:val>
+                                        </p:tav>
+                                        <p:tav tm="100000">
+                                          <p:val>
+                                            <p:strVal val="#ppt_x"/>
+                                          </p:val>
+                                        </p:tav>
+                                      </p:tavLst>
+                                    </p:anim>
+                                    <p:anim calcmode="lin" valueType="num">
+                                      <p:cBhvr additive="base">
+                                        <p:cTn id="14" dur="500" fill="hold"/>
+                                        <p:tgtEl>
+                                          <p:spTgt spid="3">
+                                            <p:txEl>
+                                              <p:pRg st="2" end="2"/>
+                                            </p:txEl>
+                                          </p:spTgt>
+                                        </p:tgtEl>
+                                        <p:attrNameLst>
+                                          <p:attrName>ppt_y</p:attrName>
+                                        </p:attrNameLst>
+                                      </p:cBhvr>
+                                      <p:tavLst>
+                                        <p:tav tm="0">
+                                          <p:val>
+                                            <p:strVal val="1+#ppt_h/2"/>
+                                          </p:val>
+                                        </p:tav>
+                                        <p:tav tm="100000">
+                                          <p:val>
+                                            <p:strVal val="#ppt_y"/>
+                                          </p:val>
+                                        </p:tav>
+                                      </p:tavLst>
+                                    </p:anim>
+                                  </p:childTnLst>
+                                </p:cTn>
+                              </p:par>
+                            </p:childTnLst>
+                          </p:cTn>
+                        </p:par>
+                      </p:childTnLst>
+                    </p:cTn>
+                  </p:par>
+                </p:childTnLst>
+              </p:cTn>
+              <p:prevCondLst>
+                <p:cond evt="onPrev" delay="0">
+                  <p:tgtEl>
+                    <p:sldTgt/>
+                  </p:tgtEl>
+                </p:cond>
+              </p:prevCondLst>
+              <p:nextCondLst>
+                <p:cond evt="onNext" delay="0">
+                  <p:tgtEl>
+                    <p:sldTgt/>
+                  </p:tgtEl>
+                </p:cond>
+              </p:nextCondLst>
+            </p:seq>
+          </p:childTnLst>
+        </p:cTn>
+      </p:par>
+    </p:tnLst>
+  </p:timing>
+</p:sld>
+</file>
+
+<file path=ppt/slides/slide13.xml><?xml version="1.0" encoding="utf-8"?>
+<p:sld xmlns:a="http://schemas.openxmlformats.org/drawingml/2006/main" xmlns:r="http://schemas.openxmlformats.org/officeDocument/2006/relationships" xmlns:p="http://schemas.openxmlformats.org/presentationml/2006/main">
+  <p:cSld>
+    <p:spTree>
+      <p:nvGrpSpPr>
+        <p:cNvPr id="1" name=""/>
+        <p:cNvGrpSpPr/>
+        <p:nvPr/>
+      </p:nvGrpSpPr>
+      <p:grpSpPr>
+        <a:xfrm>
+          <a:off x="0" y="0"/>
+          <a:ext cx="0" cy="0"/>
+          <a:chOff x="0" y="0"/>
+          <a:chExt cx="0" cy="0"/>
+        </a:xfrm>
+      </p:grpSpPr>
+      <p:sp>
+        <p:nvSpPr>
+          <p:cNvPr id="2" name="タイトル 1">
+            <a:extLst>
+              <a:ext uri="{FF2B5EF4-FFF2-40B4-BE49-F238E27FC236}">
+                <a16:creationId xmlns:a16="http://schemas.microsoft.com/office/drawing/2014/main" id="{482799DB-5880-4736-8162-C974686DBCEC}"/>
+              </a:ext>
+            </a:extLst>
+          </p:cNvPr>
+          <p:cNvSpPr>
+            <a:spLocks noGrp="1"/>
+          </p:cNvSpPr>
+          <p:nvPr>
+            <p:ph type="title"/>
+          </p:nvPr>
+        </p:nvSpPr>
+        <p:spPr/>
+        <p:txBody>
+          <a:bodyPr/>
+          <a:lstStyle/>
+          <a:p>
+            <a:r>
+              <a:rPr lang="ja-JP" altLang="en-US" dirty="0"/>
+              <a:t>３．できる大人の言い回し</a:t>
+            </a:r>
+            <a:endParaRPr lang="zh-CN" altLang="en-US" dirty="0"/>
+          </a:p>
+        </p:txBody>
+      </p:sp>
+      <p:sp>
+        <p:nvSpPr>
+          <p:cNvPr id="3" name="コンテンツ プレースホルダー 2">
+            <a:extLst>
+              <a:ext uri="{FF2B5EF4-FFF2-40B4-BE49-F238E27FC236}">
+                <a16:creationId xmlns:a16="http://schemas.microsoft.com/office/drawing/2014/main" id="{879338B2-4560-48AC-AEA1-4A8B26D62C0A}"/>
+              </a:ext>
+            </a:extLst>
+          </p:cNvPr>
+          <p:cNvSpPr>
+            <a:spLocks noGrp="1"/>
+          </p:cNvSpPr>
+          <p:nvPr>
+            <p:ph idx="1"/>
+          </p:nvPr>
+        </p:nvSpPr>
+        <p:spPr>
+          <a:xfrm>
+            <a:off x="1120000" y="1890678"/>
+            <a:ext cx="10233800" cy="3038161"/>
+          </a:xfrm>
+        </p:spPr>
+        <p:txBody>
+          <a:bodyPr>
+            <a:normAutofit fontScale="85000" lnSpcReduction="10000"/>
+          </a:bodyPr>
+          <a:lstStyle/>
+          <a:p>
+            <a:pPr marL="0" indent="0">
+              <a:buNone/>
+            </a:pPr>
+            <a:r>
+              <a:rPr lang="ja-JP" altLang="en-US" sz="6000" dirty="0"/>
+              <a:t>頑張ったおかげで実現できました</a:t>
+            </a:r>
+            <a:endParaRPr lang="en-US" altLang="ja-JP" sz="6000" dirty="0"/>
+          </a:p>
+          <a:p>
+            <a:pPr marL="0" indent="0">
+              <a:buNone/>
+            </a:pPr>
+            <a:endParaRPr lang="en-US" altLang="ja-JP" sz="6000" dirty="0"/>
+          </a:p>
+          <a:p>
+            <a:pPr marL="0" indent="0">
+              <a:buNone/>
+            </a:pPr>
+            <a:r>
+              <a:rPr lang="ja-JP" altLang="en-US" sz="6000" dirty="0"/>
+              <a:t>⇒みなさまに支えられたて実現できました。</a:t>
+            </a:r>
+            <a:endParaRPr lang="en-US" altLang="ja-JP" sz="6000" dirty="0"/>
+          </a:p>
+        </p:txBody>
+      </p:sp>
+    </p:spTree>
+    <p:extLst>
+      <p:ext uri="{BB962C8B-B14F-4D97-AF65-F5344CB8AC3E}">
+        <p14:creationId xmlns:p14="http://schemas.microsoft.com/office/powerpoint/2010/main" val="357788509"/>
+      </p:ext>
+    </p:extLst>
+  </p:cSld>
+  <p:clrMapOvr>
+    <a:masterClrMapping/>
+  </p:clrMapOvr>
+  <p:timing>
+    <p:tnLst>
+      <p:par>
+        <p:cTn id="1" dur="indefinite" restart="never" nodeType="tmRoot">
+          <p:childTnLst>
+            <p:seq concurrent="1" nextAc="seek">
+              <p:cTn id="2" dur="indefinite" nodeType="mainSeq">
+                <p:childTnLst>
+                  <p:par>
+                    <p:cTn id="3" fill="hold">
+                      <p:stCondLst>
+                        <p:cond delay="indefinite"/>
+                      </p:stCondLst>
+                      <p:childTnLst>
+                        <p:par>
+                          <p:cTn id="4" fill="hold">
+                            <p:stCondLst>
+                              <p:cond delay="0"/>
+                            </p:stCondLst>
+                            <p:childTnLst>
+                              <p:par>
+                                <p:cTn id="5" presetID="2" presetClass="entr" presetSubtype="4" fill="hold" nodeType="clickEffect">
+                                  <p:stCondLst>
+                                    <p:cond delay="0"/>
+                                  </p:stCondLst>
+                                  <p:childTnLst>
+                                    <p:set>
+                                      <p:cBhvr>
+                                        <p:cTn id="6" dur="1" fill="hold">
+                                          <p:stCondLst>
+                                            <p:cond delay="0"/>
+                                          </p:stCondLst>
+                                        </p:cTn>
+                                        <p:tgtEl>
+                                          <p:spTgt spid="3">
+                                            <p:txEl>
+                                              <p:pRg st="0" end="0"/>
+                                            </p:txEl>
+                                          </p:spTgt>
+                                        </p:tgtEl>
+                                        <p:attrNameLst>
+                                          <p:attrName>style.visibility</p:attrName>
+                                        </p:attrNameLst>
+                                      </p:cBhvr>
+                                      <p:to>
+                                        <p:strVal val="visible"/>
+                                      </p:to>
+                                    </p:set>
+                                    <p:anim calcmode="lin" valueType="num">
+                                      <p:cBhvr additive="base">
+                                        <p:cTn id="7" dur="500" fill="hold"/>
+                                        <p:tgtEl>
+                                          <p:spTgt spid="3">
+                                            <p:txEl>
+                                              <p:pRg st="0" end="0"/>
+                                            </p:txEl>
+                                          </p:spTgt>
+                                        </p:tgtEl>
+                                        <p:attrNameLst>
+                                          <p:attrName>ppt_x</p:attrName>
+                                        </p:attrNameLst>
+                                      </p:cBhvr>
+                                      <p:tavLst>
+                                        <p:tav tm="0">
+                                          <p:val>
+                                            <p:strVal val="#ppt_x"/>
+                                          </p:val>
+                                        </p:tav>
+                                        <p:tav tm="100000">
+                                          <p:val>
+                                            <p:strVal val="#ppt_x"/>
+                                          </p:val>
+                                        </p:tav>
+                                      </p:tavLst>
+                                    </p:anim>
+                                    <p:anim calcmode="lin" valueType="num">
+                                      <p:cBhvr additive="base">
+                                        <p:cTn id="8" dur="500" fill="hold"/>
+                                        <p:tgtEl>
+                                          <p:spTgt spid="3">
+                                            <p:txEl>
+                                              <p:pRg st="0" end="0"/>
+                                            </p:txEl>
+                                          </p:spTgt>
+                                        </p:tgtEl>
+                                        <p:attrNameLst>
+                                          <p:attrName>ppt_y</p:attrName>
+                                        </p:attrNameLst>
+                                      </p:cBhvr>
+                                      <p:tavLst>
+                                        <p:tav tm="0">
+                                          <p:val>
+                                            <p:strVal val="1+#ppt_h/2"/>
+                                          </p:val>
+                                        </p:tav>
+                                        <p:tav tm="100000">
+                                          <p:val>
+                                            <p:strVal val="#ppt_y"/>
+                                          </p:val>
+                                        </p:tav>
+                                      </p:tavLst>
+                                    </p:anim>
+                                  </p:childTnLst>
+                                </p:cTn>
+                              </p:par>
+                            </p:childTnLst>
+                          </p:cTn>
+                        </p:par>
+                      </p:childTnLst>
+                    </p:cTn>
+                  </p:par>
+                  <p:par>
+                    <p:cTn id="9" fill="hold">
+                      <p:stCondLst>
+                        <p:cond delay="indefinite"/>
+                      </p:stCondLst>
+                      <p:childTnLst>
+                        <p:par>
+                          <p:cTn id="10" fill="hold">
+                            <p:stCondLst>
+                              <p:cond delay="0"/>
+                            </p:stCondLst>
+                            <p:childTnLst>
+                              <p:par>
+                                <p:cTn id="11" presetID="2" presetClass="entr" presetSubtype="4" fill="hold" nodeType="clickEffect">
+                                  <p:stCondLst>
+                                    <p:cond delay="0"/>
+                                  </p:stCondLst>
+                                  <p:childTnLst>
+                                    <p:set>
+                                      <p:cBhvr>
+                                        <p:cTn id="12" dur="1" fill="hold">
+                                          <p:stCondLst>
+                                            <p:cond delay="0"/>
+                                          </p:stCondLst>
+                                        </p:cTn>
+                                        <p:tgtEl>
+                                          <p:spTgt spid="3">
+                                            <p:txEl>
+                                              <p:pRg st="2" end="2"/>
+                                            </p:txEl>
+                                          </p:spTgt>
+                                        </p:tgtEl>
+                                        <p:attrNameLst>
+                                          <p:attrName>style.visibility</p:attrName>
+                                        </p:attrNameLst>
+                                      </p:cBhvr>
+                                      <p:to>
+                                        <p:strVal val="visible"/>
+                                      </p:to>
+                                    </p:set>
+                                    <p:anim calcmode="lin" valueType="num">
+                                      <p:cBhvr additive="base">
+                                        <p:cTn id="13" dur="500" fill="hold"/>
+                                        <p:tgtEl>
+                                          <p:spTgt spid="3">
+                                            <p:txEl>
+                                              <p:pRg st="2" end="2"/>
+                                            </p:txEl>
+                                          </p:spTgt>
+                                        </p:tgtEl>
+                                        <p:attrNameLst>
+                                          <p:attrName>ppt_x</p:attrName>
+                                        </p:attrNameLst>
+                                      </p:cBhvr>
+                                      <p:tavLst>
+                                        <p:tav tm="0">
+                                          <p:val>
+                                            <p:strVal val="#ppt_x"/>
+                                          </p:val>
+                                        </p:tav>
+                                        <p:tav tm="100000">
+                                          <p:val>
+                                            <p:strVal val="#ppt_x"/>
+                                          </p:val>
+                                        </p:tav>
+                                      </p:tavLst>
+                                    </p:anim>
+                                    <p:anim calcmode="lin" valueType="num">
+                                      <p:cBhvr additive="base">
+                                        <p:cTn id="14" dur="500" fill="hold"/>
+                                        <p:tgtEl>
+                                          <p:spTgt spid="3">
+                                            <p:txEl>
+                                              <p:pRg st="2" end="2"/>
+                                            </p:txEl>
+                                          </p:spTgt>
+                                        </p:tgtEl>
+                                        <p:attrNameLst>
+                                          <p:attrName>ppt_y</p:attrName>
+                                        </p:attrNameLst>
+                                      </p:cBhvr>
+                                      <p:tavLst>
+                                        <p:tav tm="0">
+                                          <p:val>
+                                            <p:strVal val="1+#ppt_h/2"/>
+                                          </p:val>
+                                        </p:tav>
+                                        <p:tav tm="100000">
+                                          <p:val>
+                                            <p:strVal val="#ppt_y"/>
+                                          </p:val>
+                                        </p:tav>
+                                      </p:tavLst>
+                                    </p:anim>
+                                  </p:childTnLst>
+                                </p:cTn>
+                              </p:par>
+                            </p:childTnLst>
+                          </p:cTn>
+                        </p:par>
+                      </p:childTnLst>
+                    </p:cTn>
+                  </p:par>
+                </p:childTnLst>
+              </p:cTn>
+              <p:prevCondLst>
+                <p:cond evt="onPrev" delay="0">
+                  <p:tgtEl>
+                    <p:sldTgt/>
+                  </p:tgtEl>
+                </p:cond>
+              </p:prevCondLst>
+              <p:nextCondLst>
+                <p:cond evt="onNext" delay="0">
+                  <p:tgtEl>
+                    <p:sldTgt/>
+                  </p:tgtEl>
+                </p:cond>
+              </p:nextCondLst>
+            </p:seq>
+          </p:childTnLst>
+        </p:cTn>
+      </p:par>
+    </p:tnLst>
+  </p:timing>
+</p:sld>
+</file>
+
+<file path=ppt/slides/slide14.xml><?xml version="1.0" encoding="utf-8"?>
+<p:sld xmlns:a="http://schemas.openxmlformats.org/drawingml/2006/main" xmlns:r="http://schemas.openxmlformats.org/officeDocument/2006/relationships" xmlns:p="http://schemas.openxmlformats.org/presentationml/2006/main">
+  <p:cSld>
+    <p:spTree>
+      <p:nvGrpSpPr>
+        <p:cNvPr id="1" name=""/>
+        <p:cNvGrpSpPr/>
+        <p:nvPr/>
+      </p:nvGrpSpPr>
+      <p:grpSpPr>
+        <a:xfrm>
+          <a:off x="0" y="0"/>
+          <a:ext cx="0" cy="0"/>
+          <a:chOff x="0" y="0"/>
+          <a:chExt cx="0" cy="0"/>
+        </a:xfrm>
+      </p:grpSpPr>
+      <p:sp>
+        <p:nvSpPr>
+          <p:cNvPr id="2" name="タイトル 1">
+            <a:extLst>
+              <a:ext uri="{FF2B5EF4-FFF2-40B4-BE49-F238E27FC236}">
+                <a16:creationId xmlns:a16="http://schemas.microsoft.com/office/drawing/2014/main" id="{482799DB-5880-4736-8162-C974686DBCEC}"/>
+              </a:ext>
+            </a:extLst>
+          </p:cNvPr>
+          <p:cNvSpPr>
+            <a:spLocks noGrp="1"/>
+          </p:cNvSpPr>
+          <p:nvPr>
+            <p:ph type="title"/>
+          </p:nvPr>
+        </p:nvSpPr>
+        <p:spPr/>
+        <p:txBody>
+          <a:bodyPr/>
+          <a:lstStyle/>
+          <a:p>
+            <a:r>
+              <a:rPr lang="ja-JP" altLang="en-US" dirty="0"/>
+              <a:t>３．できる大人の言い回し</a:t>
+            </a:r>
+            <a:endParaRPr lang="zh-CN" altLang="en-US" dirty="0"/>
+          </a:p>
+        </p:txBody>
+      </p:sp>
+      <p:sp>
+        <p:nvSpPr>
+          <p:cNvPr id="3" name="コンテンツ プレースホルダー 2">
+            <a:extLst>
+              <a:ext uri="{FF2B5EF4-FFF2-40B4-BE49-F238E27FC236}">
+                <a16:creationId xmlns:a16="http://schemas.microsoft.com/office/drawing/2014/main" id="{879338B2-4560-48AC-AEA1-4A8B26D62C0A}"/>
+              </a:ext>
+            </a:extLst>
+          </p:cNvPr>
+          <p:cNvSpPr>
+            <a:spLocks noGrp="1"/>
+          </p:cNvSpPr>
+          <p:nvPr>
+            <p:ph idx="1"/>
+          </p:nvPr>
+        </p:nvSpPr>
+        <p:spPr>
+          <a:xfrm>
+            <a:off x="1120000" y="1890678"/>
+            <a:ext cx="10233800" cy="3038161"/>
+          </a:xfrm>
+        </p:spPr>
+        <p:txBody>
+          <a:bodyPr>
+            <a:normAutofit/>
+          </a:bodyPr>
+          <a:lstStyle/>
+          <a:p>
+            <a:pPr marL="0" indent="0">
+              <a:buNone/>
+            </a:pPr>
+            <a:r>
+              <a:rPr lang="ja-JP" altLang="en-US" sz="6000" dirty="0"/>
+              <a:t>頑張ります。</a:t>
+            </a:r>
+            <a:endParaRPr lang="en-US" altLang="ja-JP" sz="6000" dirty="0"/>
+          </a:p>
+          <a:p>
+            <a:pPr marL="0" indent="0">
+              <a:buNone/>
+            </a:pPr>
+            <a:endParaRPr lang="zh-CN" altLang="en-US" sz="6000" dirty="0"/>
+          </a:p>
+          <a:p>
+            <a:pPr marL="0" indent="0">
+              <a:buNone/>
+            </a:pPr>
+            <a:r>
+              <a:rPr lang="ja-JP" altLang="en-US" sz="6000" dirty="0"/>
+              <a:t>⇒精進いたします。</a:t>
+            </a:r>
+            <a:endParaRPr lang="en-US" altLang="zh-CN" sz="6000" dirty="0"/>
+          </a:p>
+        </p:txBody>
+      </p:sp>
+    </p:spTree>
+    <p:extLst>
+      <p:ext uri="{BB962C8B-B14F-4D97-AF65-F5344CB8AC3E}">
+        <p14:creationId xmlns:p14="http://schemas.microsoft.com/office/powerpoint/2010/main" val="1212216529"/>
+      </p:ext>
+    </p:extLst>
+  </p:cSld>
+  <p:clrMapOvr>
+    <a:masterClrMapping/>
+  </p:clrMapOvr>
+  <p:timing>
+    <p:tnLst>
+      <p:par>
+        <p:cTn id="1" dur="indefinite" restart="never" nodeType="tmRoot">
+          <p:childTnLst>
+            <p:seq concurrent="1" nextAc="seek">
+              <p:cTn id="2" dur="indefinite" nodeType="mainSeq">
+                <p:childTnLst>
+                  <p:par>
+                    <p:cTn id="3" fill="hold">
+                      <p:stCondLst>
+                        <p:cond delay="indefinite"/>
+                      </p:stCondLst>
+                      <p:childTnLst>
+                        <p:par>
+                          <p:cTn id="4" fill="hold">
+                            <p:stCondLst>
+                              <p:cond delay="0"/>
+                            </p:stCondLst>
+                            <p:childTnLst>
+                              <p:par>
+                                <p:cTn id="5" presetID="2" presetClass="entr" presetSubtype="4" fill="hold" nodeType="clickEffect">
+                                  <p:stCondLst>
+                                    <p:cond delay="0"/>
+                                  </p:stCondLst>
+                                  <p:childTnLst>
+                                    <p:set>
+                                      <p:cBhvr>
+                                        <p:cTn id="6" dur="1" fill="hold">
+                                          <p:stCondLst>
+                                            <p:cond delay="0"/>
+                                          </p:stCondLst>
+                                        </p:cTn>
+                                        <p:tgtEl>
+                                          <p:spTgt spid="3">
+                                            <p:txEl>
+                                              <p:pRg st="0" end="0"/>
+                                            </p:txEl>
+                                          </p:spTgt>
+                                        </p:tgtEl>
+                                        <p:attrNameLst>
+                                          <p:attrName>style.visibility</p:attrName>
+                                        </p:attrNameLst>
+                                      </p:cBhvr>
+                                      <p:to>
+                                        <p:strVal val="visible"/>
+                                      </p:to>
+                                    </p:set>
+                                    <p:anim calcmode="lin" valueType="num">
+                                      <p:cBhvr additive="base">
+                                        <p:cTn id="7" dur="500" fill="hold"/>
+                                        <p:tgtEl>
+                                          <p:spTgt spid="3">
+                                            <p:txEl>
+                                              <p:pRg st="0" end="0"/>
+                                            </p:txEl>
+                                          </p:spTgt>
+                                        </p:tgtEl>
+                                        <p:attrNameLst>
+                                          <p:attrName>ppt_x</p:attrName>
+                                        </p:attrNameLst>
+                                      </p:cBhvr>
+                                      <p:tavLst>
+                                        <p:tav tm="0">
+                                          <p:val>
+                                            <p:strVal val="#ppt_x"/>
+                                          </p:val>
+                                        </p:tav>
+                                        <p:tav tm="100000">
+                                          <p:val>
+                                            <p:strVal val="#ppt_x"/>
+                                          </p:val>
+                                        </p:tav>
+                                      </p:tavLst>
+                                    </p:anim>
+                                    <p:anim calcmode="lin" valueType="num">
+                                      <p:cBhvr additive="base">
+                                        <p:cTn id="8" dur="500" fill="hold"/>
+                                        <p:tgtEl>
+                                          <p:spTgt spid="3">
+                                            <p:txEl>
+                                              <p:pRg st="0" end="0"/>
+                                            </p:txEl>
+                                          </p:spTgt>
+                                        </p:tgtEl>
+                                        <p:attrNameLst>
+                                          <p:attrName>ppt_y</p:attrName>
+                                        </p:attrNameLst>
+                                      </p:cBhvr>
+                                      <p:tavLst>
+                                        <p:tav tm="0">
+                                          <p:val>
+                                            <p:strVal val="1+#ppt_h/2"/>
+                                          </p:val>
+                                        </p:tav>
+                                        <p:tav tm="100000">
+                                          <p:val>
+                                            <p:strVal val="#ppt_y"/>
+                                          </p:val>
+                                        </p:tav>
+                                      </p:tavLst>
+                                    </p:anim>
+                                  </p:childTnLst>
+                                </p:cTn>
+                              </p:par>
+                            </p:childTnLst>
+                          </p:cTn>
+                        </p:par>
+                      </p:childTnLst>
+                    </p:cTn>
+                  </p:par>
+                  <p:par>
+                    <p:cTn id="9" fill="hold">
+                      <p:stCondLst>
+                        <p:cond delay="indefinite"/>
+                      </p:stCondLst>
+                      <p:childTnLst>
+                        <p:par>
+                          <p:cTn id="10" fill="hold">
+                            <p:stCondLst>
+                              <p:cond delay="0"/>
+                            </p:stCondLst>
+                            <p:childTnLst>
+                              <p:par>
+                                <p:cTn id="11" presetID="2" presetClass="entr" presetSubtype="4" fill="hold" nodeType="clickEffect">
+                                  <p:stCondLst>
+                                    <p:cond delay="0"/>
+                                  </p:stCondLst>
+                                  <p:childTnLst>
+                                    <p:set>
+                                      <p:cBhvr>
+                                        <p:cTn id="12" dur="1" fill="hold">
+                                          <p:stCondLst>
+                                            <p:cond delay="0"/>
+                                          </p:stCondLst>
+                                        </p:cTn>
+                                        <p:tgtEl>
+                                          <p:spTgt spid="3">
+                                            <p:txEl>
+                                              <p:pRg st="2" end="2"/>
+                                            </p:txEl>
+                                          </p:spTgt>
+                                        </p:tgtEl>
+                                        <p:attrNameLst>
+                                          <p:attrName>style.visibility</p:attrName>
+                                        </p:attrNameLst>
+                                      </p:cBhvr>
+                                      <p:to>
+                                        <p:strVal val="visible"/>
+                                      </p:to>
+                                    </p:set>
+                                    <p:anim calcmode="lin" valueType="num">
+                                      <p:cBhvr additive="base">
+                                        <p:cTn id="13" dur="500" fill="hold"/>
+                                        <p:tgtEl>
+                                          <p:spTgt spid="3">
+                                            <p:txEl>
+                                              <p:pRg st="2" end="2"/>
+                                            </p:txEl>
+                                          </p:spTgt>
+                                        </p:tgtEl>
+                                        <p:attrNameLst>
+                                          <p:attrName>ppt_x</p:attrName>
+                                        </p:attrNameLst>
+                                      </p:cBhvr>
+                                      <p:tavLst>
+                                        <p:tav tm="0">
+                                          <p:val>
+                                            <p:strVal val="#ppt_x"/>
+                                          </p:val>
+                                        </p:tav>
+                                        <p:tav tm="100000">
+                                          <p:val>
+                                            <p:strVal val="#ppt_x"/>
+                                          </p:val>
+                                        </p:tav>
+                                      </p:tavLst>
+                                    </p:anim>
+                                    <p:anim calcmode="lin" valueType="num">
+                                      <p:cBhvr additive="base">
+                                        <p:cTn id="14" dur="500" fill="hold"/>
+                                        <p:tgtEl>
+                                          <p:spTgt spid="3">
+                                            <p:txEl>
+                                              <p:pRg st="2" end="2"/>
+                                            </p:txEl>
+                                          </p:spTgt>
+                                        </p:tgtEl>
+                                        <p:attrNameLst>
+                                          <p:attrName>ppt_y</p:attrName>
+                                        </p:attrNameLst>
+                                      </p:cBhvr>
+                                      <p:tavLst>
+                                        <p:tav tm="0">
+                                          <p:val>
+                                            <p:strVal val="1+#ppt_h/2"/>
+                                          </p:val>
+                                        </p:tav>
+                                        <p:tav tm="100000">
+                                          <p:val>
+                                            <p:strVal val="#ppt_y"/>
+                                          </p:val>
+                                        </p:tav>
+                                      </p:tavLst>
+                                    </p:anim>
+                                  </p:childTnLst>
+                                </p:cTn>
+                              </p:par>
+                            </p:childTnLst>
+                          </p:cTn>
+                        </p:par>
+                      </p:childTnLst>
+                    </p:cTn>
+                  </p:par>
+                </p:childTnLst>
+              </p:cTn>
+              <p:prevCondLst>
+                <p:cond evt="onPrev" delay="0">
+                  <p:tgtEl>
+                    <p:sldTgt/>
+                  </p:tgtEl>
+                </p:cond>
+              </p:prevCondLst>
+              <p:nextCondLst>
+                <p:cond evt="onNext" delay="0">
+                  <p:tgtEl>
+                    <p:sldTgt/>
+                  </p:tgtEl>
+                </p:cond>
+              </p:nextCondLst>
+            </p:seq>
+          </p:childTnLst>
+        </p:cTn>
+      </p:par>
+    </p:tnLst>
+  </p:timing>
+</p:sld>
+</file>
+
+<file path=ppt/slides/slide15.xml><?xml version="1.0" encoding="utf-8"?>
+<p:sld xmlns:a="http://schemas.openxmlformats.org/drawingml/2006/main" xmlns:r="http://schemas.openxmlformats.org/officeDocument/2006/relationships" xmlns:p="http://schemas.openxmlformats.org/presentationml/2006/main">
+  <p:cSld>
+    <p:spTree>
+      <p:nvGrpSpPr>
+        <p:cNvPr id="1" name=""/>
+        <p:cNvGrpSpPr/>
+        <p:nvPr/>
+      </p:nvGrpSpPr>
+      <p:grpSpPr>
+        <a:xfrm>
+          <a:off x="0" y="0"/>
+          <a:ext cx="0" cy="0"/>
+          <a:chOff x="0" y="0"/>
+          <a:chExt cx="0" cy="0"/>
+        </a:xfrm>
+      </p:grpSpPr>
+      <p:sp>
+        <p:nvSpPr>
+          <p:cNvPr id="3" name="コンテンツ プレースホルダー 2">
+            <a:extLst>
+              <a:ext uri="{FF2B5EF4-FFF2-40B4-BE49-F238E27FC236}">
+                <a16:creationId xmlns:a16="http://schemas.microsoft.com/office/drawing/2014/main" id="{879338B2-4560-48AC-AEA1-4A8B26D62C0A}"/>
+              </a:ext>
+            </a:extLst>
+          </p:cNvPr>
+          <p:cNvSpPr>
+            <a:spLocks noGrp="1"/>
+          </p:cNvSpPr>
+          <p:nvPr>
+            <p:ph idx="1"/>
+          </p:nvPr>
+        </p:nvSpPr>
+        <p:spPr>
+          <a:xfrm>
+            <a:off x="669073" y="2648960"/>
+            <a:ext cx="11340789" cy="3038161"/>
+          </a:xfrm>
+        </p:spPr>
+        <p:txBody>
+          <a:bodyPr>
+            <a:normAutofit/>
+          </a:bodyPr>
+          <a:lstStyle/>
+          <a:p>
+            <a:pPr marL="0" indent="0">
+              <a:buNone/>
+            </a:pPr>
+            <a:r>
+              <a:rPr lang="ja-JP" altLang="en-US" sz="6000" dirty="0"/>
+              <a:t>ご清聴ありがとうございました</a:t>
+            </a:r>
+            <a:endParaRPr lang="en-US" altLang="zh-CN" sz="6000" dirty="0"/>
+          </a:p>
+        </p:txBody>
+      </p:sp>
+    </p:spTree>
+    <p:extLst>
+      <p:ext uri="{BB962C8B-B14F-4D97-AF65-F5344CB8AC3E}">
+        <p14:creationId xmlns:p14="http://schemas.microsoft.com/office/powerpoint/2010/main" val="4224292000"/>
+      </p:ext>
+    </p:extLst>
+  </p:cSld>
+  <p:clrMapOvr>
+    <a:masterClrMapping/>
+  </p:clrMapOvr>
+</p:sld>
+</file>
+
 <file path=ppt/slides/slide2.xml><?xml version="1.0" encoding="utf-8"?>
 <p:sld xmlns:a="http://schemas.openxmlformats.org/drawingml/2006/main" xmlns:r="http://schemas.openxmlformats.org/officeDocument/2006/relationships" xmlns:p="http://schemas.openxmlformats.org/presentationml/2006/main">
   <p:cSld>
@@ -6916,13 +9796,13 @@
         </p:nvSpPr>
         <p:spPr>
           <a:xfrm>
-            <a:off x="838200" y="1590541"/>
-            <a:ext cx="10233800" cy="4547785"/>
+            <a:off x="838200" y="1460809"/>
+            <a:ext cx="10233800" cy="5151864"/>
           </a:xfrm>
         </p:spPr>
         <p:txBody>
           <a:bodyPr>
-            <a:normAutofit/>
+            <a:normAutofit fontScale="85000" lnSpcReduction="20000"/>
           </a:bodyPr>
           <a:lstStyle/>
           <a:p>
@@ -6978,6 +9858,57 @@
             <a:r>
               <a:rPr lang="ja-JP" altLang="en-US" dirty="0"/>
               <a:t>・相手といい関係を築くのきっかけになる</a:t>
+            </a:r>
+            <a:endParaRPr lang="en-US" altLang="ja-JP" dirty="0"/>
+          </a:p>
+          <a:p>
+            <a:pPr marL="0" indent="0">
+              <a:buNone/>
+            </a:pPr>
+            <a:r>
+              <a:rPr lang="ja-JP" altLang="en-US" dirty="0"/>
+              <a:t>自己紹介の項目と順番</a:t>
+            </a:r>
+            <a:endParaRPr lang="en-US" altLang="ja-JP" dirty="0"/>
+          </a:p>
+          <a:p>
+            <a:pPr marL="0" indent="0">
+              <a:buNone/>
+            </a:pPr>
+            <a:r>
+              <a:rPr lang="ja-JP" altLang="en-US" dirty="0"/>
+              <a:t>・氏名</a:t>
+            </a:r>
+            <a:endParaRPr lang="en-US" altLang="ja-JP" dirty="0"/>
+          </a:p>
+          <a:p>
+            <a:pPr marL="0" indent="0">
+              <a:buNone/>
+            </a:pPr>
+            <a:r>
+              <a:rPr lang="ja-JP" altLang="en-US" dirty="0"/>
+              <a:t>・現在の所属、人となりがかかる項目</a:t>
+            </a:r>
+            <a:r>
+              <a:rPr lang="en-US" altLang="ja-JP" dirty="0"/>
+              <a:t>(</a:t>
+            </a:r>
+            <a:r>
+              <a:rPr lang="ja-JP" altLang="en-US" dirty="0"/>
+              <a:t>現在の関心事、仕事の分野</a:t>
+            </a:r>
+            <a:r>
+              <a:rPr lang="en-US" altLang="ja-JP" dirty="0"/>
+              <a:t>)</a:t>
+            </a:r>
+          </a:p>
+          <a:p>
+            <a:pPr marL="0" indent="0">
+              <a:buNone/>
+            </a:pPr>
+            <a:r>
+              <a:rPr lang="ja-JP" altLang="en-US" dirty="0"/>
+              <a:t>・意気込み</a:t>
             </a:r>
             <a:endParaRPr lang="en-US" altLang="ja-JP" dirty="0"/>
           </a:p>
@@ -7172,9 +10103,16 @@
             <p:ph idx="1"/>
           </p:nvPr>
         </p:nvSpPr>
-        <p:spPr/>
-        <p:txBody>
-          <a:bodyPr/>
+        <p:spPr>
+          <a:xfrm>
+            <a:off x="1064242" y="1690688"/>
+            <a:ext cx="10611083" cy="4351338"/>
+          </a:xfrm>
+        </p:spPr>
+        <p:txBody>
+          <a:bodyPr>
+            <a:normAutofit/>
+          </a:bodyPr>
           <a:lstStyle/>
           <a:p>
             <a:endParaRPr lang="en-US" altLang="ja-JP" dirty="0"/>
@@ -7184,40 +10122,37 @@
               <a:buNone/>
             </a:pPr>
             <a:r>
-              <a:rPr lang="ja-JP" altLang="en-US" dirty="0"/>
+              <a:rPr lang="ja-JP" altLang="en-US" sz="3200" dirty="0"/>
               <a:t>言葉ひとつであなたの印象・信用度は大きく変わります。</a:t>
             </a:r>
-            <a:endParaRPr lang="en-US" altLang="ja-JP" dirty="0"/>
-          </a:p>
-          <a:p>
-            <a:r>
-              <a:rPr lang="ja-JP" altLang="en-US" dirty="0"/>
+            <a:endParaRPr lang="en-US" altLang="ja-JP" sz="3200" dirty="0"/>
+          </a:p>
+          <a:p>
+            <a:pPr marL="0" indent="0">
+              <a:buNone/>
+            </a:pPr>
+            <a:endParaRPr lang="en-US" altLang="ja-JP" sz="3200" dirty="0"/>
+          </a:p>
+          <a:p>
+            <a:r>
+              <a:rPr lang="ja-JP" altLang="en-US" sz="3200" dirty="0"/>
               <a:t>表現力高まり、コミュニケーションの力をアップします。</a:t>
             </a:r>
-            <a:endParaRPr lang="en-US" altLang="ja-JP" dirty="0"/>
-          </a:p>
-          <a:p>
-            <a:r>
-              <a:rPr lang="ja-JP" altLang="en-US" dirty="0"/>
+            <a:endParaRPr lang="en-US" altLang="ja-JP" sz="3200" dirty="0"/>
+          </a:p>
+          <a:p>
+            <a:r>
+              <a:rPr lang="ja-JP" altLang="en-US" sz="3200" dirty="0"/>
               <a:t>目上の方やお客さんに好印象を与ます。</a:t>
             </a:r>
-            <a:endParaRPr lang="en-US" altLang="ja-JP" dirty="0"/>
-          </a:p>
-          <a:p>
-            <a:r>
-              <a:rPr lang="ja-JP" altLang="en-US" dirty="0"/>
+            <a:endParaRPr lang="en-US" altLang="ja-JP" sz="3200" dirty="0"/>
+          </a:p>
+          <a:p>
+            <a:r>
+              <a:rPr lang="ja-JP" altLang="en-US" sz="3200" dirty="0"/>
               <a:t>仕事に対する自信がたかまる。</a:t>
             </a:r>
-            <a:endParaRPr lang="en-US" altLang="ja-JP" dirty="0"/>
-          </a:p>
-          <a:p>
-            <a:endParaRPr lang="zh-CN" altLang="en-US" dirty="0"/>
-          </a:p>
-          <a:p>
-            <a:pPr marL="0" indent="0">
-              <a:buNone/>
-            </a:pPr>
-            <a:endParaRPr lang="en-US" altLang="zh-CN" dirty="0"/>
+            <a:endParaRPr lang="zh-CN" altLang="en-US" sz="3200" dirty="0"/>
           </a:p>
         </p:txBody>
       </p:sp>
@@ -7298,84 +10233,52 @@
         </p:nvSpPr>
         <p:spPr>
           <a:xfrm>
-            <a:off x="1120000" y="1500389"/>
-            <a:ext cx="10233800" cy="4676574"/>
+            <a:off x="1120000" y="1890678"/>
+            <a:ext cx="10233800" cy="3038161"/>
           </a:xfrm>
         </p:spPr>
         <p:txBody>
           <a:bodyPr>
-            <a:normAutofit fontScale="92500" lnSpcReduction="10000"/>
+            <a:normAutofit/>
           </a:bodyPr>
           <a:lstStyle/>
           <a:p>
-            <a:r>
-              <a:rPr lang="ja-JP" altLang="en-US" dirty="0"/>
+            <a:pPr marL="0" indent="0">
+              <a:buNone/>
+            </a:pPr>
+            <a:r>
+              <a:rPr lang="ja-JP" altLang="en-US" sz="6000" dirty="0"/>
               <a:t>今まで知りませんでした。</a:t>
             </a:r>
-            <a:endParaRPr lang="en-US" altLang="ja-JP" dirty="0"/>
-          </a:p>
-          <a:p>
-            <a:r>
-              <a:rPr lang="ja-JP" altLang="en-US" dirty="0"/>
-              <a:t>大変でしたね。</a:t>
-            </a:r>
-            <a:endParaRPr lang="en-US" altLang="ja-JP" dirty="0"/>
-          </a:p>
-          <a:p>
-            <a:r>
-              <a:rPr lang="ja-JP" altLang="en-US" dirty="0"/>
-              <a:t>すごいですね。</a:t>
-            </a:r>
-            <a:endParaRPr lang="en-US" altLang="ja-JP" dirty="0"/>
-          </a:p>
-          <a:p>
-            <a:r>
-              <a:rPr lang="ja-JP" altLang="en-US" dirty="0"/>
-              <a:t>もっと頑張って。</a:t>
-            </a:r>
-            <a:endParaRPr lang="en-US" altLang="ja-JP" dirty="0"/>
-          </a:p>
-          <a:p>
-            <a:r>
-              <a:rPr lang="ja-JP" altLang="en-US" dirty="0"/>
-              <a:t>ちょっといいですか。</a:t>
-            </a:r>
-            <a:endParaRPr lang="en-US" altLang="ja-JP" dirty="0"/>
-          </a:p>
-          <a:p>
-            <a:r>
-              <a:rPr lang="ja-JP" altLang="en-US" dirty="0"/>
-              <a:t>何でも言ってください。</a:t>
-            </a:r>
-            <a:endParaRPr lang="en-US" altLang="ja-JP" dirty="0"/>
-          </a:p>
-          <a:p>
-            <a:r>
-              <a:rPr lang="ja-JP" altLang="en-US" dirty="0"/>
-              <a:t>お大事にしてください。</a:t>
-            </a:r>
-            <a:endParaRPr lang="en-US" altLang="ja-JP" dirty="0"/>
-          </a:p>
-          <a:p>
-            <a:r>
-              <a:rPr lang="ja-JP" altLang="en-US" dirty="0"/>
-              <a:t>確かにその通りです。</a:t>
-            </a:r>
-            <a:endParaRPr lang="en-US" altLang="ja-JP" dirty="0"/>
-          </a:p>
-          <a:p>
-            <a:r>
-              <a:rPr lang="ja-JP" altLang="en-US" dirty="0"/>
-              <a:t>頑張ったおかげで実現できました。</a:t>
-            </a:r>
-            <a:endParaRPr lang="en-US" altLang="ja-JP" dirty="0"/>
-          </a:p>
-          <a:p>
-            <a:r>
-              <a:rPr lang="ja-JP" altLang="en-US" dirty="0"/>
-              <a:t>頑張ります。</a:t>
-            </a:r>
-            <a:endParaRPr lang="zh-CN" altLang="en-US" dirty="0"/>
+            <a:endParaRPr lang="en-US" altLang="ja-JP" sz="6000" dirty="0"/>
+          </a:p>
+          <a:p>
+            <a:endParaRPr lang="en-US" altLang="ja-JP" sz="6000" dirty="0"/>
+          </a:p>
+          <a:p>
+            <a:pPr marL="0" indent="0">
+              <a:buNone/>
+            </a:pPr>
+            <a:r>
+              <a:rPr lang="ja-JP" altLang="en-US" sz="6000" dirty="0"/>
+              <a:t>⇒初めて知りました。</a:t>
+            </a:r>
+            <a:endParaRPr lang="en-US" altLang="ja-JP" sz="6000" dirty="0"/>
+          </a:p>
+          <a:p>
+            <a:endParaRPr lang="en-US" altLang="zh-CN" sz="6000" dirty="0"/>
+          </a:p>
+          <a:p>
+            <a:pPr marL="0" indent="0">
+              <a:buNone/>
+            </a:pPr>
+            <a:endParaRPr lang="en-US" altLang="zh-CN" sz="6000" dirty="0"/>
+          </a:p>
+          <a:p>
+            <a:pPr marL="0" indent="0">
+              <a:buNone/>
+            </a:pPr>
+            <a:endParaRPr lang="zh-CN" altLang="en-US" sz="6000" dirty="0"/>
           </a:p>
         </p:txBody>
       </p:sp>
@@ -7389,6 +10292,1666 @@
   <p:clrMapOvr>
     <a:masterClrMapping/>
   </p:clrMapOvr>
+  <p:timing>
+    <p:tnLst>
+      <p:par>
+        <p:cTn id="1" dur="indefinite" restart="never" nodeType="tmRoot">
+          <p:childTnLst>
+            <p:seq concurrent="1" nextAc="seek">
+              <p:cTn id="2" dur="indefinite" nodeType="mainSeq">
+                <p:childTnLst>
+                  <p:par>
+                    <p:cTn id="3" fill="hold">
+                      <p:stCondLst>
+                        <p:cond delay="indefinite"/>
+                      </p:stCondLst>
+                      <p:childTnLst>
+                        <p:par>
+                          <p:cTn id="4" fill="hold">
+                            <p:stCondLst>
+                              <p:cond delay="0"/>
+                            </p:stCondLst>
+                            <p:childTnLst>
+                              <p:par>
+                                <p:cTn id="5" presetID="2" presetClass="entr" presetSubtype="4" fill="hold" nodeType="clickEffect">
+                                  <p:stCondLst>
+                                    <p:cond delay="0"/>
+                                  </p:stCondLst>
+                                  <p:childTnLst>
+                                    <p:set>
+                                      <p:cBhvr>
+                                        <p:cTn id="6" dur="1" fill="hold">
+                                          <p:stCondLst>
+                                            <p:cond delay="0"/>
+                                          </p:stCondLst>
+                                        </p:cTn>
+                                        <p:tgtEl>
+                                          <p:spTgt spid="3">
+                                            <p:txEl>
+                                              <p:pRg st="0" end="0"/>
+                                            </p:txEl>
+                                          </p:spTgt>
+                                        </p:tgtEl>
+                                        <p:attrNameLst>
+                                          <p:attrName>style.visibility</p:attrName>
+                                        </p:attrNameLst>
+                                      </p:cBhvr>
+                                      <p:to>
+                                        <p:strVal val="visible"/>
+                                      </p:to>
+                                    </p:set>
+                                    <p:anim calcmode="lin" valueType="num">
+                                      <p:cBhvr additive="base">
+                                        <p:cTn id="7" dur="500" fill="hold"/>
+                                        <p:tgtEl>
+                                          <p:spTgt spid="3">
+                                            <p:txEl>
+                                              <p:pRg st="0" end="0"/>
+                                            </p:txEl>
+                                          </p:spTgt>
+                                        </p:tgtEl>
+                                        <p:attrNameLst>
+                                          <p:attrName>ppt_x</p:attrName>
+                                        </p:attrNameLst>
+                                      </p:cBhvr>
+                                      <p:tavLst>
+                                        <p:tav tm="0">
+                                          <p:val>
+                                            <p:strVal val="#ppt_x"/>
+                                          </p:val>
+                                        </p:tav>
+                                        <p:tav tm="100000">
+                                          <p:val>
+                                            <p:strVal val="#ppt_x"/>
+                                          </p:val>
+                                        </p:tav>
+                                      </p:tavLst>
+                                    </p:anim>
+                                    <p:anim calcmode="lin" valueType="num">
+                                      <p:cBhvr additive="base">
+                                        <p:cTn id="8" dur="500" fill="hold"/>
+                                        <p:tgtEl>
+                                          <p:spTgt spid="3">
+                                            <p:txEl>
+                                              <p:pRg st="0" end="0"/>
+                                            </p:txEl>
+                                          </p:spTgt>
+                                        </p:tgtEl>
+                                        <p:attrNameLst>
+                                          <p:attrName>ppt_y</p:attrName>
+                                        </p:attrNameLst>
+                                      </p:cBhvr>
+                                      <p:tavLst>
+                                        <p:tav tm="0">
+                                          <p:val>
+                                            <p:strVal val="1+#ppt_h/2"/>
+                                          </p:val>
+                                        </p:tav>
+                                        <p:tav tm="100000">
+                                          <p:val>
+                                            <p:strVal val="#ppt_y"/>
+                                          </p:val>
+                                        </p:tav>
+                                      </p:tavLst>
+                                    </p:anim>
+                                  </p:childTnLst>
+                                </p:cTn>
+                              </p:par>
+                            </p:childTnLst>
+                          </p:cTn>
+                        </p:par>
+                      </p:childTnLst>
+                    </p:cTn>
+                  </p:par>
+                  <p:par>
+                    <p:cTn id="9" fill="hold">
+                      <p:stCondLst>
+                        <p:cond delay="indefinite"/>
+                      </p:stCondLst>
+                      <p:childTnLst>
+                        <p:par>
+                          <p:cTn id="10" fill="hold">
+                            <p:stCondLst>
+                              <p:cond delay="0"/>
+                            </p:stCondLst>
+                            <p:childTnLst>
+                              <p:par>
+                                <p:cTn id="11" presetID="2" presetClass="entr" presetSubtype="4" fill="hold" nodeType="clickEffect">
+                                  <p:stCondLst>
+                                    <p:cond delay="0"/>
+                                  </p:stCondLst>
+                                  <p:childTnLst>
+                                    <p:set>
+                                      <p:cBhvr>
+                                        <p:cTn id="12" dur="1" fill="hold">
+                                          <p:stCondLst>
+                                            <p:cond delay="0"/>
+                                          </p:stCondLst>
+                                        </p:cTn>
+                                        <p:tgtEl>
+                                          <p:spTgt spid="3">
+                                            <p:txEl>
+                                              <p:pRg st="2" end="2"/>
+                                            </p:txEl>
+                                          </p:spTgt>
+                                        </p:tgtEl>
+                                        <p:attrNameLst>
+                                          <p:attrName>style.visibility</p:attrName>
+                                        </p:attrNameLst>
+                                      </p:cBhvr>
+                                      <p:to>
+                                        <p:strVal val="visible"/>
+                                      </p:to>
+                                    </p:set>
+                                    <p:anim calcmode="lin" valueType="num">
+                                      <p:cBhvr additive="base">
+                                        <p:cTn id="13" dur="500" fill="hold"/>
+                                        <p:tgtEl>
+                                          <p:spTgt spid="3">
+                                            <p:txEl>
+                                              <p:pRg st="2" end="2"/>
+                                            </p:txEl>
+                                          </p:spTgt>
+                                        </p:tgtEl>
+                                        <p:attrNameLst>
+                                          <p:attrName>ppt_x</p:attrName>
+                                        </p:attrNameLst>
+                                      </p:cBhvr>
+                                      <p:tavLst>
+                                        <p:tav tm="0">
+                                          <p:val>
+                                            <p:strVal val="#ppt_x"/>
+                                          </p:val>
+                                        </p:tav>
+                                        <p:tav tm="100000">
+                                          <p:val>
+                                            <p:strVal val="#ppt_x"/>
+                                          </p:val>
+                                        </p:tav>
+                                      </p:tavLst>
+                                    </p:anim>
+                                    <p:anim calcmode="lin" valueType="num">
+                                      <p:cBhvr additive="base">
+                                        <p:cTn id="14" dur="500" fill="hold"/>
+                                        <p:tgtEl>
+                                          <p:spTgt spid="3">
+                                            <p:txEl>
+                                              <p:pRg st="2" end="2"/>
+                                            </p:txEl>
+                                          </p:spTgt>
+                                        </p:tgtEl>
+                                        <p:attrNameLst>
+                                          <p:attrName>ppt_y</p:attrName>
+                                        </p:attrNameLst>
+                                      </p:cBhvr>
+                                      <p:tavLst>
+                                        <p:tav tm="0">
+                                          <p:val>
+                                            <p:strVal val="1+#ppt_h/2"/>
+                                          </p:val>
+                                        </p:tav>
+                                        <p:tav tm="100000">
+                                          <p:val>
+                                            <p:strVal val="#ppt_y"/>
+                                          </p:val>
+                                        </p:tav>
+                                      </p:tavLst>
+                                    </p:anim>
+                                  </p:childTnLst>
+                                </p:cTn>
+                              </p:par>
+                            </p:childTnLst>
+                          </p:cTn>
+                        </p:par>
+                      </p:childTnLst>
+                    </p:cTn>
+                  </p:par>
+                </p:childTnLst>
+              </p:cTn>
+              <p:prevCondLst>
+                <p:cond evt="onPrev" delay="0">
+                  <p:tgtEl>
+                    <p:sldTgt/>
+                  </p:tgtEl>
+                </p:cond>
+              </p:prevCondLst>
+              <p:nextCondLst>
+                <p:cond evt="onNext" delay="0">
+                  <p:tgtEl>
+                    <p:sldTgt/>
+                  </p:tgtEl>
+                </p:cond>
+              </p:nextCondLst>
+            </p:seq>
+          </p:childTnLst>
+        </p:cTn>
+      </p:par>
+    </p:tnLst>
+  </p:timing>
+</p:sld>
+</file>
+
+<file path=ppt/slides/slide6.xml><?xml version="1.0" encoding="utf-8"?>
+<p:sld xmlns:a="http://schemas.openxmlformats.org/drawingml/2006/main" xmlns:r="http://schemas.openxmlformats.org/officeDocument/2006/relationships" xmlns:p="http://schemas.openxmlformats.org/presentationml/2006/main">
+  <p:cSld>
+    <p:spTree>
+      <p:nvGrpSpPr>
+        <p:cNvPr id="1" name=""/>
+        <p:cNvGrpSpPr/>
+        <p:nvPr/>
+      </p:nvGrpSpPr>
+      <p:grpSpPr>
+        <a:xfrm>
+          <a:off x="0" y="0"/>
+          <a:ext cx="0" cy="0"/>
+          <a:chOff x="0" y="0"/>
+          <a:chExt cx="0" cy="0"/>
+        </a:xfrm>
+      </p:grpSpPr>
+      <p:sp>
+        <p:nvSpPr>
+          <p:cNvPr id="2" name="タイトル 1">
+            <a:extLst>
+              <a:ext uri="{FF2B5EF4-FFF2-40B4-BE49-F238E27FC236}">
+                <a16:creationId xmlns:a16="http://schemas.microsoft.com/office/drawing/2014/main" id="{482799DB-5880-4736-8162-C974686DBCEC}"/>
+              </a:ext>
+            </a:extLst>
+          </p:cNvPr>
+          <p:cNvSpPr>
+            <a:spLocks noGrp="1"/>
+          </p:cNvSpPr>
+          <p:nvPr>
+            <p:ph type="title"/>
+          </p:nvPr>
+        </p:nvSpPr>
+        <p:spPr/>
+        <p:txBody>
+          <a:bodyPr/>
+          <a:lstStyle/>
+          <a:p>
+            <a:r>
+              <a:rPr lang="ja-JP" altLang="en-US" dirty="0"/>
+              <a:t>３．できる大人の言い回し</a:t>
+            </a:r>
+            <a:endParaRPr lang="zh-CN" altLang="en-US" dirty="0"/>
+          </a:p>
+        </p:txBody>
+      </p:sp>
+      <p:sp>
+        <p:nvSpPr>
+          <p:cNvPr id="3" name="コンテンツ プレースホルダー 2">
+            <a:extLst>
+              <a:ext uri="{FF2B5EF4-FFF2-40B4-BE49-F238E27FC236}">
+                <a16:creationId xmlns:a16="http://schemas.microsoft.com/office/drawing/2014/main" id="{879338B2-4560-48AC-AEA1-4A8B26D62C0A}"/>
+              </a:ext>
+            </a:extLst>
+          </p:cNvPr>
+          <p:cNvSpPr>
+            <a:spLocks noGrp="1"/>
+          </p:cNvSpPr>
+          <p:nvPr>
+            <p:ph idx="1"/>
+          </p:nvPr>
+        </p:nvSpPr>
+        <p:spPr>
+          <a:xfrm>
+            <a:off x="1120000" y="1890678"/>
+            <a:ext cx="10233800" cy="3038161"/>
+          </a:xfrm>
+        </p:spPr>
+        <p:txBody>
+          <a:bodyPr>
+            <a:normAutofit/>
+          </a:bodyPr>
+          <a:lstStyle/>
+          <a:p>
+            <a:pPr marL="0" indent="0">
+              <a:buNone/>
+            </a:pPr>
+            <a:r>
+              <a:rPr lang="ja-JP" altLang="en-US" sz="6000" dirty="0"/>
+              <a:t>大変でしたね。</a:t>
+            </a:r>
+            <a:endParaRPr lang="en-US" altLang="ja-JP" sz="6000" dirty="0"/>
+          </a:p>
+          <a:p>
+            <a:endParaRPr lang="en-US" altLang="ja-JP" sz="6000" dirty="0"/>
+          </a:p>
+          <a:p>
+            <a:pPr marL="0" indent="0">
+              <a:buNone/>
+            </a:pPr>
+            <a:r>
+              <a:rPr lang="ja-JP" altLang="en-US" sz="6000" dirty="0"/>
+              <a:t>⇒ご心配でしたね。</a:t>
+            </a:r>
+            <a:endParaRPr lang="en-US" altLang="zh-CN" sz="6000" dirty="0"/>
+          </a:p>
+          <a:p>
+            <a:pPr marL="0" indent="0">
+              <a:buNone/>
+            </a:pPr>
+            <a:endParaRPr lang="en-US" altLang="zh-CN" sz="6000" dirty="0"/>
+          </a:p>
+          <a:p>
+            <a:pPr marL="0" indent="0">
+              <a:buNone/>
+            </a:pPr>
+            <a:endParaRPr lang="zh-CN" altLang="en-US" sz="6000" dirty="0"/>
+          </a:p>
+        </p:txBody>
+      </p:sp>
+    </p:spTree>
+    <p:extLst>
+      <p:ext uri="{BB962C8B-B14F-4D97-AF65-F5344CB8AC3E}">
+        <p14:creationId xmlns:p14="http://schemas.microsoft.com/office/powerpoint/2010/main" val="3967335169"/>
+      </p:ext>
+    </p:extLst>
+  </p:cSld>
+  <p:clrMapOvr>
+    <a:masterClrMapping/>
+  </p:clrMapOvr>
+  <p:timing>
+    <p:tnLst>
+      <p:par>
+        <p:cTn id="1" dur="indefinite" restart="never" nodeType="tmRoot">
+          <p:childTnLst>
+            <p:seq concurrent="1" nextAc="seek">
+              <p:cTn id="2" dur="indefinite" nodeType="mainSeq">
+                <p:childTnLst>
+                  <p:par>
+                    <p:cTn id="3" fill="hold">
+                      <p:stCondLst>
+                        <p:cond delay="indefinite"/>
+                      </p:stCondLst>
+                      <p:childTnLst>
+                        <p:par>
+                          <p:cTn id="4" fill="hold">
+                            <p:stCondLst>
+                              <p:cond delay="0"/>
+                            </p:stCondLst>
+                            <p:childTnLst>
+                              <p:par>
+                                <p:cTn id="5" presetID="2" presetClass="entr" presetSubtype="4" fill="hold" nodeType="clickEffect">
+                                  <p:stCondLst>
+                                    <p:cond delay="0"/>
+                                  </p:stCondLst>
+                                  <p:childTnLst>
+                                    <p:set>
+                                      <p:cBhvr>
+                                        <p:cTn id="6" dur="1" fill="hold">
+                                          <p:stCondLst>
+                                            <p:cond delay="0"/>
+                                          </p:stCondLst>
+                                        </p:cTn>
+                                        <p:tgtEl>
+                                          <p:spTgt spid="3">
+                                            <p:txEl>
+                                              <p:pRg st="0" end="0"/>
+                                            </p:txEl>
+                                          </p:spTgt>
+                                        </p:tgtEl>
+                                        <p:attrNameLst>
+                                          <p:attrName>style.visibility</p:attrName>
+                                        </p:attrNameLst>
+                                      </p:cBhvr>
+                                      <p:to>
+                                        <p:strVal val="visible"/>
+                                      </p:to>
+                                    </p:set>
+                                    <p:anim calcmode="lin" valueType="num">
+                                      <p:cBhvr additive="base">
+                                        <p:cTn id="7" dur="500" fill="hold"/>
+                                        <p:tgtEl>
+                                          <p:spTgt spid="3">
+                                            <p:txEl>
+                                              <p:pRg st="0" end="0"/>
+                                            </p:txEl>
+                                          </p:spTgt>
+                                        </p:tgtEl>
+                                        <p:attrNameLst>
+                                          <p:attrName>ppt_x</p:attrName>
+                                        </p:attrNameLst>
+                                      </p:cBhvr>
+                                      <p:tavLst>
+                                        <p:tav tm="0">
+                                          <p:val>
+                                            <p:strVal val="#ppt_x"/>
+                                          </p:val>
+                                        </p:tav>
+                                        <p:tav tm="100000">
+                                          <p:val>
+                                            <p:strVal val="#ppt_x"/>
+                                          </p:val>
+                                        </p:tav>
+                                      </p:tavLst>
+                                    </p:anim>
+                                    <p:anim calcmode="lin" valueType="num">
+                                      <p:cBhvr additive="base">
+                                        <p:cTn id="8" dur="500" fill="hold"/>
+                                        <p:tgtEl>
+                                          <p:spTgt spid="3">
+                                            <p:txEl>
+                                              <p:pRg st="0" end="0"/>
+                                            </p:txEl>
+                                          </p:spTgt>
+                                        </p:tgtEl>
+                                        <p:attrNameLst>
+                                          <p:attrName>ppt_y</p:attrName>
+                                        </p:attrNameLst>
+                                      </p:cBhvr>
+                                      <p:tavLst>
+                                        <p:tav tm="0">
+                                          <p:val>
+                                            <p:strVal val="1+#ppt_h/2"/>
+                                          </p:val>
+                                        </p:tav>
+                                        <p:tav tm="100000">
+                                          <p:val>
+                                            <p:strVal val="#ppt_y"/>
+                                          </p:val>
+                                        </p:tav>
+                                      </p:tavLst>
+                                    </p:anim>
+                                  </p:childTnLst>
+                                </p:cTn>
+                              </p:par>
+                            </p:childTnLst>
+                          </p:cTn>
+                        </p:par>
+                      </p:childTnLst>
+                    </p:cTn>
+                  </p:par>
+                  <p:par>
+                    <p:cTn id="9" fill="hold">
+                      <p:stCondLst>
+                        <p:cond delay="indefinite"/>
+                      </p:stCondLst>
+                      <p:childTnLst>
+                        <p:par>
+                          <p:cTn id="10" fill="hold">
+                            <p:stCondLst>
+                              <p:cond delay="0"/>
+                            </p:stCondLst>
+                            <p:childTnLst>
+                              <p:par>
+                                <p:cTn id="11" presetID="2" presetClass="entr" presetSubtype="4" fill="hold" nodeType="clickEffect">
+                                  <p:stCondLst>
+                                    <p:cond delay="0"/>
+                                  </p:stCondLst>
+                                  <p:childTnLst>
+                                    <p:set>
+                                      <p:cBhvr>
+                                        <p:cTn id="12" dur="1" fill="hold">
+                                          <p:stCondLst>
+                                            <p:cond delay="0"/>
+                                          </p:stCondLst>
+                                        </p:cTn>
+                                        <p:tgtEl>
+                                          <p:spTgt spid="3">
+                                            <p:txEl>
+                                              <p:pRg st="2" end="2"/>
+                                            </p:txEl>
+                                          </p:spTgt>
+                                        </p:tgtEl>
+                                        <p:attrNameLst>
+                                          <p:attrName>style.visibility</p:attrName>
+                                        </p:attrNameLst>
+                                      </p:cBhvr>
+                                      <p:to>
+                                        <p:strVal val="visible"/>
+                                      </p:to>
+                                    </p:set>
+                                    <p:anim calcmode="lin" valueType="num">
+                                      <p:cBhvr additive="base">
+                                        <p:cTn id="13" dur="500" fill="hold"/>
+                                        <p:tgtEl>
+                                          <p:spTgt spid="3">
+                                            <p:txEl>
+                                              <p:pRg st="2" end="2"/>
+                                            </p:txEl>
+                                          </p:spTgt>
+                                        </p:tgtEl>
+                                        <p:attrNameLst>
+                                          <p:attrName>ppt_x</p:attrName>
+                                        </p:attrNameLst>
+                                      </p:cBhvr>
+                                      <p:tavLst>
+                                        <p:tav tm="0">
+                                          <p:val>
+                                            <p:strVal val="#ppt_x"/>
+                                          </p:val>
+                                        </p:tav>
+                                        <p:tav tm="100000">
+                                          <p:val>
+                                            <p:strVal val="#ppt_x"/>
+                                          </p:val>
+                                        </p:tav>
+                                      </p:tavLst>
+                                    </p:anim>
+                                    <p:anim calcmode="lin" valueType="num">
+                                      <p:cBhvr additive="base">
+                                        <p:cTn id="14" dur="500" fill="hold"/>
+                                        <p:tgtEl>
+                                          <p:spTgt spid="3">
+                                            <p:txEl>
+                                              <p:pRg st="2" end="2"/>
+                                            </p:txEl>
+                                          </p:spTgt>
+                                        </p:tgtEl>
+                                        <p:attrNameLst>
+                                          <p:attrName>ppt_y</p:attrName>
+                                        </p:attrNameLst>
+                                      </p:cBhvr>
+                                      <p:tavLst>
+                                        <p:tav tm="0">
+                                          <p:val>
+                                            <p:strVal val="1+#ppt_h/2"/>
+                                          </p:val>
+                                        </p:tav>
+                                        <p:tav tm="100000">
+                                          <p:val>
+                                            <p:strVal val="#ppt_y"/>
+                                          </p:val>
+                                        </p:tav>
+                                      </p:tavLst>
+                                    </p:anim>
+                                  </p:childTnLst>
+                                </p:cTn>
+                              </p:par>
+                            </p:childTnLst>
+                          </p:cTn>
+                        </p:par>
+                      </p:childTnLst>
+                    </p:cTn>
+                  </p:par>
+                </p:childTnLst>
+              </p:cTn>
+              <p:prevCondLst>
+                <p:cond evt="onPrev" delay="0">
+                  <p:tgtEl>
+                    <p:sldTgt/>
+                  </p:tgtEl>
+                </p:cond>
+              </p:prevCondLst>
+              <p:nextCondLst>
+                <p:cond evt="onNext" delay="0">
+                  <p:tgtEl>
+                    <p:sldTgt/>
+                  </p:tgtEl>
+                </p:cond>
+              </p:nextCondLst>
+            </p:seq>
+          </p:childTnLst>
+        </p:cTn>
+      </p:par>
+    </p:tnLst>
+  </p:timing>
+</p:sld>
+</file>
+
+<file path=ppt/slides/slide7.xml><?xml version="1.0" encoding="utf-8"?>
+<p:sld xmlns:a="http://schemas.openxmlformats.org/drawingml/2006/main" xmlns:r="http://schemas.openxmlformats.org/officeDocument/2006/relationships" xmlns:p="http://schemas.openxmlformats.org/presentationml/2006/main">
+  <p:cSld>
+    <p:spTree>
+      <p:nvGrpSpPr>
+        <p:cNvPr id="1" name=""/>
+        <p:cNvGrpSpPr/>
+        <p:nvPr/>
+      </p:nvGrpSpPr>
+      <p:grpSpPr>
+        <a:xfrm>
+          <a:off x="0" y="0"/>
+          <a:ext cx="0" cy="0"/>
+          <a:chOff x="0" y="0"/>
+          <a:chExt cx="0" cy="0"/>
+        </a:xfrm>
+      </p:grpSpPr>
+      <p:sp>
+        <p:nvSpPr>
+          <p:cNvPr id="2" name="タイトル 1">
+            <a:extLst>
+              <a:ext uri="{FF2B5EF4-FFF2-40B4-BE49-F238E27FC236}">
+                <a16:creationId xmlns:a16="http://schemas.microsoft.com/office/drawing/2014/main" id="{482799DB-5880-4736-8162-C974686DBCEC}"/>
+              </a:ext>
+            </a:extLst>
+          </p:cNvPr>
+          <p:cNvSpPr>
+            <a:spLocks noGrp="1"/>
+          </p:cNvSpPr>
+          <p:nvPr>
+            <p:ph type="title"/>
+          </p:nvPr>
+        </p:nvSpPr>
+        <p:spPr/>
+        <p:txBody>
+          <a:bodyPr/>
+          <a:lstStyle/>
+          <a:p>
+            <a:r>
+              <a:rPr lang="ja-JP" altLang="en-US" dirty="0"/>
+              <a:t>３．できる大人の言い回し</a:t>
+            </a:r>
+            <a:endParaRPr lang="zh-CN" altLang="en-US" dirty="0"/>
+          </a:p>
+        </p:txBody>
+      </p:sp>
+      <p:sp>
+        <p:nvSpPr>
+          <p:cNvPr id="3" name="コンテンツ プレースホルダー 2">
+            <a:extLst>
+              <a:ext uri="{FF2B5EF4-FFF2-40B4-BE49-F238E27FC236}">
+                <a16:creationId xmlns:a16="http://schemas.microsoft.com/office/drawing/2014/main" id="{879338B2-4560-48AC-AEA1-4A8B26D62C0A}"/>
+              </a:ext>
+            </a:extLst>
+          </p:cNvPr>
+          <p:cNvSpPr>
+            <a:spLocks noGrp="1"/>
+          </p:cNvSpPr>
+          <p:nvPr>
+            <p:ph idx="1"/>
+          </p:nvPr>
+        </p:nvSpPr>
+        <p:spPr>
+          <a:xfrm>
+            <a:off x="1120000" y="1890678"/>
+            <a:ext cx="10233800" cy="3038161"/>
+          </a:xfrm>
+        </p:spPr>
+        <p:txBody>
+          <a:bodyPr>
+            <a:normAutofit/>
+          </a:bodyPr>
+          <a:lstStyle/>
+          <a:p>
+            <a:pPr marL="0" indent="0">
+              <a:buNone/>
+            </a:pPr>
+            <a:r>
+              <a:rPr lang="ja-JP" altLang="en-US" sz="6000" dirty="0"/>
+              <a:t>すごいですね。</a:t>
+            </a:r>
+            <a:endParaRPr lang="en-US" altLang="ja-JP" sz="6000" dirty="0"/>
+          </a:p>
+          <a:p>
+            <a:pPr marL="0" indent="0">
+              <a:buNone/>
+            </a:pPr>
+            <a:endParaRPr lang="en-US" altLang="ja-JP" sz="6000" dirty="0"/>
+          </a:p>
+          <a:p>
+            <a:pPr marL="0" indent="0">
+              <a:buNone/>
+            </a:pPr>
+            <a:r>
+              <a:rPr lang="ja-JP" altLang="en-US" sz="6000" dirty="0"/>
+              <a:t>⇒まいりました。</a:t>
+            </a:r>
+            <a:endParaRPr lang="en-US" altLang="ja-JP" sz="6000" dirty="0"/>
+          </a:p>
+          <a:p>
+            <a:pPr marL="0" indent="0">
+              <a:buNone/>
+            </a:pPr>
+            <a:endParaRPr lang="en-US" altLang="zh-CN" sz="6000" dirty="0"/>
+          </a:p>
+          <a:p>
+            <a:pPr marL="0" indent="0">
+              <a:buNone/>
+            </a:pPr>
+            <a:endParaRPr lang="zh-CN" altLang="en-US" sz="6000" dirty="0"/>
+          </a:p>
+        </p:txBody>
+      </p:sp>
+    </p:spTree>
+    <p:extLst>
+      <p:ext uri="{BB962C8B-B14F-4D97-AF65-F5344CB8AC3E}">
+        <p14:creationId xmlns:p14="http://schemas.microsoft.com/office/powerpoint/2010/main" val="3962564628"/>
+      </p:ext>
+    </p:extLst>
+  </p:cSld>
+  <p:clrMapOvr>
+    <a:masterClrMapping/>
+  </p:clrMapOvr>
+  <p:timing>
+    <p:tnLst>
+      <p:par>
+        <p:cTn id="1" dur="indefinite" restart="never" nodeType="tmRoot">
+          <p:childTnLst>
+            <p:seq concurrent="1" nextAc="seek">
+              <p:cTn id="2" dur="indefinite" nodeType="mainSeq">
+                <p:childTnLst>
+                  <p:par>
+                    <p:cTn id="3" fill="hold">
+                      <p:stCondLst>
+                        <p:cond delay="indefinite"/>
+                      </p:stCondLst>
+                      <p:childTnLst>
+                        <p:par>
+                          <p:cTn id="4" fill="hold">
+                            <p:stCondLst>
+                              <p:cond delay="0"/>
+                            </p:stCondLst>
+                            <p:childTnLst>
+                              <p:par>
+                                <p:cTn id="5" presetID="2" presetClass="entr" presetSubtype="4" fill="hold" nodeType="clickEffect">
+                                  <p:stCondLst>
+                                    <p:cond delay="0"/>
+                                  </p:stCondLst>
+                                  <p:childTnLst>
+                                    <p:set>
+                                      <p:cBhvr>
+                                        <p:cTn id="6" dur="1" fill="hold">
+                                          <p:stCondLst>
+                                            <p:cond delay="0"/>
+                                          </p:stCondLst>
+                                        </p:cTn>
+                                        <p:tgtEl>
+                                          <p:spTgt spid="3">
+                                            <p:txEl>
+                                              <p:pRg st="0" end="0"/>
+                                            </p:txEl>
+                                          </p:spTgt>
+                                        </p:tgtEl>
+                                        <p:attrNameLst>
+                                          <p:attrName>style.visibility</p:attrName>
+                                        </p:attrNameLst>
+                                      </p:cBhvr>
+                                      <p:to>
+                                        <p:strVal val="visible"/>
+                                      </p:to>
+                                    </p:set>
+                                    <p:anim calcmode="lin" valueType="num">
+                                      <p:cBhvr additive="base">
+                                        <p:cTn id="7" dur="500" fill="hold"/>
+                                        <p:tgtEl>
+                                          <p:spTgt spid="3">
+                                            <p:txEl>
+                                              <p:pRg st="0" end="0"/>
+                                            </p:txEl>
+                                          </p:spTgt>
+                                        </p:tgtEl>
+                                        <p:attrNameLst>
+                                          <p:attrName>ppt_x</p:attrName>
+                                        </p:attrNameLst>
+                                      </p:cBhvr>
+                                      <p:tavLst>
+                                        <p:tav tm="0">
+                                          <p:val>
+                                            <p:strVal val="#ppt_x"/>
+                                          </p:val>
+                                        </p:tav>
+                                        <p:tav tm="100000">
+                                          <p:val>
+                                            <p:strVal val="#ppt_x"/>
+                                          </p:val>
+                                        </p:tav>
+                                      </p:tavLst>
+                                    </p:anim>
+                                    <p:anim calcmode="lin" valueType="num">
+                                      <p:cBhvr additive="base">
+                                        <p:cTn id="8" dur="500" fill="hold"/>
+                                        <p:tgtEl>
+                                          <p:spTgt spid="3">
+                                            <p:txEl>
+                                              <p:pRg st="0" end="0"/>
+                                            </p:txEl>
+                                          </p:spTgt>
+                                        </p:tgtEl>
+                                        <p:attrNameLst>
+                                          <p:attrName>ppt_y</p:attrName>
+                                        </p:attrNameLst>
+                                      </p:cBhvr>
+                                      <p:tavLst>
+                                        <p:tav tm="0">
+                                          <p:val>
+                                            <p:strVal val="1+#ppt_h/2"/>
+                                          </p:val>
+                                        </p:tav>
+                                        <p:tav tm="100000">
+                                          <p:val>
+                                            <p:strVal val="#ppt_y"/>
+                                          </p:val>
+                                        </p:tav>
+                                      </p:tavLst>
+                                    </p:anim>
+                                  </p:childTnLst>
+                                </p:cTn>
+                              </p:par>
+                            </p:childTnLst>
+                          </p:cTn>
+                        </p:par>
+                      </p:childTnLst>
+                    </p:cTn>
+                  </p:par>
+                  <p:par>
+                    <p:cTn id="9" fill="hold">
+                      <p:stCondLst>
+                        <p:cond delay="indefinite"/>
+                      </p:stCondLst>
+                      <p:childTnLst>
+                        <p:par>
+                          <p:cTn id="10" fill="hold">
+                            <p:stCondLst>
+                              <p:cond delay="0"/>
+                            </p:stCondLst>
+                            <p:childTnLst>
+                              <p:par>
+                                <p:cTn id="11" presetID="2" presetClass="entr" presetSubtype="4" fill="hold" nodeType="clickEffect">
+                                  <p:stCondLst>
+                                    <p:cond delay="0"/>
+                                  </p:stCondLst>
+                                  <p:childTnLst>
+                                    <p:set>
+                                      <p:cBhvr>
+                                        <p:cTn id="12" dur="1" fill="hold">
+                                          <p:stCondLst>
+                                            <p:cond delay="0"/>
+                                          </p:stCondLst>
+                                        </p:cTn>
+                                        <p:tgtEl>
+                                          <p:spTgt spid="3">
+                                            <p:txEl>
+                                              <p:pRg st="2" end="2"/>
+                                            </p:txEl>
+                                          </p:spTgt>
+                                        </p:tgtEl>
+                                        <p:attrNameLst>
+                                          <p:attrName>style.visibility</p:attrName>
+                                        </p:attrNameLst>
+                                      </p:cBhvr>
+                                      <p:to>
+                                        <p:strVal val="visible"/>
+                                      </p:to>
+                                    </p:set>
+                                    <p:anim calcmode="lin" valueType="num">
+                                      <p:cBhvr additive="base">
+                                        <p:cTn id="13" dur="500" fill="hold"/>
+                                        <p:tgtEl>
+                                          <p:spTgt spid="3">
+                                            <p:txEl>
+                                              <p:pRg st="2" end="2"/>
+                                            </p:txEl>
+                                          </p:spTgt>
+                                        </p:tgtEl>
+                                        <p:attrNameLst>
+                                          <p:attrName>ppt_x</p:attrName>
+                                        </p:attrNameLst>
+                                      </p:cBhvr>
+                                      <p:tavLst>
+                                        <p:tav tm="0">
+                                          <p:val>
+                                            <p:strVal val="#ppt_x"/>
+                                          </p:val>
+                                        </p:tav>
+                                        <p:tav tm="100000">
+                                          <p:val>
+                                            <p:strVal val="#ppt_x"/>
+                                          </p:val>
+                                        </p:tav>
+                                      </p:tavLst>
+                                    </p:anim>
+                                    <p:anim calcmode="lin" valueType="num">
+                                      <p:cBhvr additive="base">
+                                        <p:cTn id="14" dur="500" fill="hold"/>
+                                        <p:tgtEl>
+                                          <p:spTgt spid="3">
+                                            <p:txEl>
+                                              <p:pRg st="2" end="2"/>
+                                            </p:txEl>
+                                          </p:spTgt>
+                                        </p:tgtEl>
+                                        <p:attrNameLst>
+                                          <p:attrName>ppt_y</p:attrName>
+                                        </p:attrNameLst>
+                                      </p:cBhvr>
+                                      <p:tavLst>
+                                        <p:tav tm="0">
+                                          <p:val>
+                                            <p:strVal val="1+#ppt_h/2"/>
+                                          </p:val>
+                                        </p:tav>
+                                        <p:tav tm="100000">
+                                          <p:val>
+                                            <p:strVal val="#ppt_y"/>
+                                          </p:val>
+                                        </p:tav>
+                                      </p:tavLst>
+                                    </p:anim>
+                                  </p:childTnLst>
+                                </p:cTn>
+                              </p:par>
+                            </p:childTnLst>
+                          </p:cTn>
+                        </p:par>
+                      </p:childTnLst>
+                    </p:cTn>
+                  </p:par>
+                </p:childTnLst>
+              </p:cTn>
+              <p:prevCondLst>
+                <p:cond evt="onPrev" delay="0">
+                  <p:tgtEl>
+                    <p:sldTgt/>
+                  </p:tgtEl>
+                </p:cond>
+              </p:prevCondLst>
+              <p:nextCondLst>
+                <p:cond evt="onNext" delay="0">
+                  <p:tgtEl>
+                    <p:sldTgt/>
+                  </p:tgtEl>
+                </p:cond>
+              </p:nextCondLst>
+            </p:seq>
+          </p:childTnLst>
+        </p:cTn>
+      </p:par>
+    </p:tnLst>
+  </p:timing>
+</p:sld>
+</file>
+
+<file path=ppt/slides/slide8.xml><?xml version="1.0" encoding="utf-8"?>
+<p:sld xmlns:a="http://schemas.openxmlformats.org/drawingml/2006/main" xmlns:r="http://schemas.openxmlformats.org/officeDocument/2006/relationships" xmlns:p="http://schemas.openxmlformats.org/presentationml/2006/main">
+  <p:cSld>
+    <p:spTree>
+      <p:nvGrpSpPr>
+        <p:cNvPr id="1" name=""/>
+        <p:cNvGrpSpPr/>
+        <p:nvPr/>
+      </p:nvGrpSpPr>
+      <p:grpSpPr>
+        <a:xfrm>
+          <a:off x="0" y="0"/>
+          <a:ext cx="0" cy="0"/>
+          <a:chOff x="0" y="0"/>
+          <a:chExt cx="0" cy="0"/>
+        </a:xfrm>
+      </p:grpSpPr>
+      <p:sp>
+        <p:nvSpPr>
+          <p:cNvPr id="2" name="タイトル 1">
+            <a:extLst>
+              <a:ext uri="{FF2B5EF4-FFF2-40B4-BE49-F238E27FC236}">
+                <a16:creationId xmlns:a16="http://schemas.microsoft.com/office/drawing/2014/main" id="{482799DB-5880-4736-8162-C974686DBCEC}"/>
+              </a:ext>
+            </a:extLst>
+          </p:cNvPr>
+          <p:cNvSpPr>
+            <a:spLocks noGrp="1"/>
+          </p:cNvSpPr>
+          <p:nvPr>
+            <p:ph type="title"/>
+          </p:nvPr>
+        </p:nvSpPr>
+        <p:spPr/>
+        <p:txBody>
+          <a:bodyPr/>
+          <a:lstStyle/>
+          <a:p>
+            <a:r>
+              <a:rPr lang="ja-JP" altLang="en-US" dirty="0"/>
+              <a:t>３．できる大人の言い回し</a:t>
+            </a:r>
+            <a:endParaRPr lang="zh-CN" altLang="en-US" dirty="0"/>
+          </a:p>
+        </p:txBody>
+      </p:sp>
+      <p:sp>
+        <p:nvSpPr>
+          <p:cNvPr id="3" name="コンテンツ プレースホルダー 2">
+            <a:extLst>
+              <a:ext uri="{FF2B5EF4-FFF2-40B4-BE49-F238E27FC236}">
+                <a16:creationId xmlns:a16="http://schemas.microsoft.com/office/drawing/2014/main" id="{879338B2-4560-48AC-AEA1-4A8B26D62C0A}"/>
+              </a:ext>
+            </a:extLst>
+          </p:cNvPr>
+          <p:cNvSpPr>
+            <a:spLocks noGrp="1"/>
+          </p:cNvSpPr>
+          <p:nvPr>
+            <p:ph idx="1"/>
+          </p:nvPr>
+        </p:nvSpPr>
+        <p:spPr>
+          <a:xfrm>
+            <a:off x="1120000" y="1890678"/>
+            <a:ext cx="10233800" cy="3038161"/>
+          </a:xfrm>
+        </p:spPr>
+        <p:txBody>
+          <a:bodyPr>
+            <a:normAutofit/>
+          </a:bodyPr>
+          <a:lstStyle/>
+          <a:p>
+            <a:pPr marL="0" indent="0">
+              <a:buNone/>
+            </a:pPr>
+            <a:r>
+              <a:rPr lang="ja-JP" altLang="en-US" sz="6000" dirty="0"/>
+              <a:t>もっと頑張って。</a:t>
+            </a:r>
+            <a:endParaRPr lang="en-US" altLang="ja-JP" sz="6000" dirty="0"/>
+          </a:p>
+          <a:p>
+            <a:pPr marL="0" indent="0">
+              <a:buNone/>
+            </a:pPr>
+            <a:endParaRPr lang="en-US" altLang="ja-JP" sz="6000" dirty="0"/>
+          </a:p>
+          <a:p>
+            <a:pPr marL="0" indent="0">
+              <a:buNone/>
+            </a:pPr>
+            <a:r>
+              <a:rPr lang="ja-JP" altLang="en-US" sz="6000" dirty="0"/>
+              <a:t>⇒期待していますよ。</a:t>
+            </a:r>
+            <a:endParaRPr lang="en-US" altLang="zh-CN" sz="6000" dirty="0"/>
+          </a:p>
+          <a:p>
+            <a:pPr marL="0" indent="0">
+              <a:buNone/>
+            </a:pPr>
+            <a:endParaRPr lang="zh-CN" altLang="en-US" sz="6000" dirty="0"/>
+          </a:p>
+        </p:txBody>
+      </p:sp>
+    </p:spTree>
+    <p:extLst>
+      <p:ext uri="{BB962C8B-B14F-4D97-AF65-F5344CB8AC3E}">
+        <p14:creationId xmlns:p14="http://schemas.microsoft.com/office/powerpoint/2010/main" val="1646200432"/>
+      </p:ext>
+    </p:extLst>
+  </p:cSld>
+  <p:clrMapOvr>
+    <a:masterClrMapping/>
+  </p:clrMapOvr>
+  <p:timing>
+    <p:tnLst>
+      <p:par>
+        <p:cTn id="1" dur="indefinite" restart="never" nodeType="tmRoot">
+          <p:childTnLst>
+            <p:seq concurrent="1" nextAc="seek">
+              <p:cTn id="2" dur="indefinite" nodeType="mainSeq">
+                <p:childTnLst>
+                  <p:par>
+                    <p:cTn id="3" fill="hold">
+                      <p:stCondLst>
+                        <p:cond delay="indefinite"/>
+                      </p:stCondLst>
+                      <p:childTnLst>
+                        <p:par>
+                          <p:cTn id="4" fill="hold">
+                            <p:stCondLst>
+                              <p:cond delay="0"/>
+                            </p:stCondLst>
+                            <p:childTnLst>
+                              <p:par>
+                                <p:cTn id="5" presetID="2" presetClass="entr" presetSubtype="4" fill="hold" nodeType="clickEffect">
+                                  <p:stCondLst>
+                                    <p:cond delay="0"/>
+                                  </p:stCondLst>
+                                  <p:childTnLst>
+                                    <p:set>
+                                      <p:cBhvr>
+                                        <p:cTn id="6" dur="1" fill="hold">
+                                          <p:stCondLst>
+                                            <p:cond delay="0"/>
+                                          </p:stCondLst>
+                                        </p:cTn>
+                                        <p:tgtEl>
+                                          <p:spTgt spid="3">
+                                            <p:txEl>
+                                              <p:pRg st="0" end="0"/>
+                                            </p:txEl>
+                                          </p:spTgt>
+                                        </p:tgtEl>
+                                        <p:attrNameLst>
+                                          <p:attrName>style.visibility</p:attrName>
+                                        </p:attrNameLst>
+                                      </p:cBhvr>
+                                      <p:to>
+                                        <p:strVal val="visible"/>
+                                      </p:to>
+                                    </p:set>
+                                    <p:anim calcmode="lin" valueType="num">
+                                      <p:cBhvr additive="base">
+                                        <p:cTn id="7" dur="500" fill="hold"/>
+                                        <p:tgtEl>
+                                          <p:spTgt spid="3">
+                                            <p:txEl>
+                                              <p:pRg st="0" end="0"/>
+                                            </p:txEl>
+                                          </p:spTgt>
+                                        </p:tgtEl>
+                                        <p:attrNameLst>
+                                          <p:attrName>ppt_x</p:attrName>
+                                        </p:attrNameLst>
+                                      </p:cBhvr>
+                                      <p:tavLst>
+                                        <p:tav tm="0">
+                                          <p:val>
+                                            <p:strVal val="#ppt_x"/>
+                                          </p:val>
+                                        </p:tav>
+                                        <p:tav tm="100000">
+                                          <p:val>
+                                            <p:strVal val="#ppt_x"/>
+                                          </p:val>
+                                        </p:tav>
+                                      </p:tavLst>
+                                    </p:anim>
+                                    <p:anim calcmode="lin" valueType="num">
+                                      <p:cBhvr additive="base">
+                                        <p:cTn id="8" dur="500" fill="hold"/>
+                                        <p:tgtEl>
+                                          <p:spTgt spid="3">
+                                            <p:txEl>
+                                              <p:pRg st="0" end="0"/>
+                                            </p:txEl>
+                                          </p:spTgt>
+                                        </p:tgtEl>
+                                        <p:attrNameLst>
+                                          <p:attrName>ppt_y</p:attrName>
+                                        </p:attrNameLst>
+                                      </p:cBhvr>
+                                      <p:tavLst>
+                                        <p:tav tm="0">
+                                          <p:val>
+                                            <p:strVal val="1+#ppt_h/2"/>
+                                          </p:val>
+                                        </p:tav>
+                                        <p:tav tm="100000">
+                                          <p:val>
+                                            <p:strVal val="#ppt_y"/>
+                                          </p:val>
+                                        </p:tav>
+                                      </p:tavLst>
+                                    </p:anim>
+                                  </p:childTnLst>
+                                </p:cTn>
+                              </p:par>
+                            </p:childTnLst>
+                          </p:cTn>
+                        </p:par>
+                      </p:childTnLst>
+                    </p:cTn>
+                  </p:par>
+                  <p:par>
+                    <p:cTn id="9" fill="hold">
+                      <p:stCondLst>
+                        <p:cond delay="indefinite"/>
+                      </p:stCondLst>
+                      <p:childTnLst>
+                        <p:par>
+                          <p:cTn id="10" fill="hold">
+                            <p:stCondLst>
+                              <p:cond delay="0"/>
+                            </p:stCondLst>
+                            <p:childTnLst>
+                              <p:par>
+                                <p:cTn id="11" presetID="2" presetClass="entr" presetSubtype="4" fill="hold" nodeType="clickEffect">
+                                  <p:stCondLst>
+                                    <p:cond delay="0"/>
+                                  </p:stCondLst>
+                                  <p:childTnLst>
+                                    <p:set>
+                                      <p:cBhvr>
+                                        <p:cTn id="12" dur="1" fill="hold">
+                                          <p:stCondLst>
+                                            <p:cond delay="0"/>
+                                          </p:stCondLst>
+                                        </p:cTn>
+                                        <p:tgtEl>
+                                          <p:spTgt spid="3">
+                                            <p:txEl>
+                                              <p:pRg st="2" end="2"/>
+                                            </p:txEl>
+                                          </p:spTgt>
+                                        </p:tgtEl>
+                                        <p:attrNameLst>
+                                          <p:attrName>style.visibility</p:attrName>
+                                        </p:attrNameLst>
+                                      </p:cBhvr>
+                                      <p:to>
+                                        <p:strVal val="visible"/>
+                                      </p:to>
+                                    </p:set>
+                                    <p:anim calcmode="lin" valueType="num">
+                                      <p:cBhvr additive="base">
+                                        <p:cTn id="13" dur="500" fill="hold"/>
+                                        <p:tgtEl>
+                                          <p:spTgt spid="3">
+                                            <p:txEl>
+                                              <p:pRg st="2" end="2"/>
+                                            </p:txEl>
+                                          </p:spTgt>
+                                        </p:tgtEl>
+                                        <p:attrNameLst>
+                                          <p:attrName>ppt_x</p:attrName>
+                                        </p:attrNameLst>
+                                      </p:cBhvr>
+                                      <p:tavLst>
+                                        <p:tav tm="0">
+                                          <p:val>
+                                            <p:strVal val="#ppt_x"/>
+                                          </p:val>
+                                        </p:tav>
+                                        <p:tav tm="100000">
+                                          <p:val>
+                                            <p:strVal val="#ppt_x"/>
+                                          </p:val>
+                                        </p:tav>
+                                      </p:tavLst>
+                                    </p:anim>
+                                    <p:anim calcmode="lin" valueType="num">
+                                      <p:cBhvr additive="base">
+                                        <p:cTn id="14" dur="500" fill="hold"/>
+                                        <p:tgtEl>
+                                          <p:spTgt spid="3">
+                                            <p:txEl>
+                                              <p:pRg st="2" end="2"/>
+                                            </p:txEl>
+                                          </p:spTgt>
+                                        </p:tgtEl>
+                                        <p:attrNameLst>
+                                          <p:attrName>ppt_y</p:attrName>
+                                        </p:attrNameLst>
+                                      </p:cBhvr>
+                                      <p:tavLst>
+                                        <p:tav tm="0">
+                                          <p:val>
+                                            <p:strVal val="1+#ppt_h/2"/>
+                                          </p:val>
+                                        </p:tav>
+                                        <p:tav tm="100000">
+                                          <p:val>
+                                            <p:strVal val="#ppt_y"/>
+                                          </p:val>
+                                        </p:tav>
+                                      </p:tavLst>
+                                    </p:anim>
+                                  </p:childTnLst>
+                                </p:cTn>
+                              </p:par>
+                            </p:childTnLst>
+                          </p:cTn>
+                        </p:par>
+                      </p:childTnLst>
+                    </p:cTn>
+                  </p:par>
+                </p:childTnLst>
+              </p:cTn>
+              <p:prevCondLst>
+                <p:cond evt="onPrev" delay="0">
+                  <p:tgtEl>
+                    <p:sldTgt/>
+                  </p:tgtEl>
+                </p:cond>
+              </p:prevCondLst>
+              <p:nextCondLst>
+                <p:cond evt="onNext" delay="0">
+                  <p:tgtEl>
+                    <p:sldTgt/>
+                  </p:tgtEl>
+                </p:cond>
+              </p:nextCondLst>
+            </p:seq>
+          </p:childTnLst>
+        </p:cTn>
+      </p:par>
+    </p:tnLst>
+  </p:timing>
+</p:sld>
+</file>
+
+<file path=ppt/slides/slide9.xml><?xml version="1.0" encoding="utf-8"?>
+<p:sld xmlns:a="http://schemas.openxmlformats.org/drawingml/2006/main" xmlns:r="http://schemas.openxmlformats.org/officeDocument/2006/relationships" xmlns:p="http://schemas.openxmlformats.org/presentationml/2006/main">
+  <p:cSld>
+    <p:spTree>
+      <p:nvGrpSpPr>
+        <p:cNvPr id="1" name=""/>
+        <p:cNvGrpSpPr/>
+        <p:nvPr/>
+      </p:nvGrpSpPr>
+      <p:grpSpPr>
+        <a:xfrm>
+          <a:off x="0" y="0"/>
+          <a:ext cx="0" cy="0"/>
+          <a:chOff x="0" y="0"/>
+          <a:chExt cx="0" cy="0"/>
+        </a:xfrm>
+      </p:grpSpPr>
+      <p:sp>
+        <p:nvSpPr>
+          <p:cNvPr id="2" name="タイトル 1">
+            <a:extLst>
+              <a:ext uri="{FF2B5EF4-FFF2-40B4-BE49-F238E27FC236}">
+                <a16:creationId xmlns:a16="http://schemas.microsoft.com/office/drawing/2014/main" id="{482799DB-5880-4736-8162-C974686DBCEC}"/>
+              </a:ext>
+            </a:extLst>
+          </p:cNvPr>
+          <p:cNvSpPr>
+            <a:spLocks noGrp="1"/>
+          </p:cNvSpPr>
+          <p:nvPr>
+            <p:ph type="title"/>
+          </p:nvPr>
+        </p:nvSpPr>
+        <p:spPr/>
+        <p:txBody>
+          <a:bodyPr/>
+          <a:lstStyle/>
+          <a:p>
+            <a:r>
+              <a:rPr lang="ja-JP" altLang="en-US" dirty="0"/>
+              <a:t>３．できる大人の言い回し</a:t>
+            </a:r>
+            <a:endParaRPr lang="zh-CN" altLang="en-US" dirty="0"/>
+          </a:p>
+        </p:txBody>
+      </p:sp>
+      <p:sp>
+        <p:nvSpPr>
+          <p:cNvPr id="3" name="コンテンツ プレースホルダー 2">
+            <a:extLst>
+              <a:ext uri="{FF2B5EF4-FFF2-40B4-BE49-F238E27FC236}">
+                <a16:creationId xmlns:a16="http://schemas.microsoft.com/office/drawing/2014/main" id="{879338B2-4560-48AC-AEA1-4A8B26D62C0A}"/>
+              </a:ext>
+            </a:extLst>
+          </p:cNvPr>
+          <p:cNvSpPr>
+            <a:spLocks noGrp="1"/>
+          </p:cNvSpPr>
+          <p:nvPr>
+            <p:ph idx="1"/>
+          </p:nvPr>
+        </p:nvSpPr>
+        <p:spPr>
+          <a:xfrm>
+            <a:off x="1120000" y="1890678"/>
+            <a:ext cx="10233800" cy="3038161"/>
+          </a:xfrm>
+        </p:spPr>
+        <p:txBody>
+          <a:bodyPr>
+            <a:normAutofit/>
+          </a:bodyPr>
+          <a:lstStyle/>
+          <a:p>
+            <a:pPr marL="0" indent="0">
+              <a:buNone/>
+            </a:pPr>
+            <a:r>
+              <a:rPr lang="ja-JP" altLang="en-US" sz="6000" dirty="0"/>
+              <a:t>ちょっといいですか。</a:t>
+            </a:r>
+            <a:endParaRPr lang="en-US" altLang="ja-JP" sz="6000" dirty="0"/>
+          </a:p>
+          <a:p>
+            <a:endParaRPr lang="en-US" altLang="ja-JP" sz="6000" dirty="0"/>
+          </a:p>
+          <a:p>
+            <a:pPr marL="0" indent="0">
+              <a:buNone/>
+            </a:pPr>
+            <a:r>
+              <a:rPr lang="ja-JP" altLang="en-US" sz="6000" dirty="0"/>
+              <a:t>⇒今、よろしいでしょうか。</a:t>
+            </a:r>
+            <a:endParaRPr lang="en-US" altLang="ja-JP" sz="6000" dirty="0"/>
+          </a:p>
+        </p:txBody>
+      </p:sp>
+    </p:spTree>
+    <p:extLst>
+      <p:ext uri="{BB962C8B-B14F-4D97-AF65-F5344CB8AC3E}">
+        <p14:creationId xmlns:p14="http://schemas.microsoft.com/office/powerpoint/2010/main" val="348789924"/>
+      </p:ext>
+    </p:extLst>
+  </p:cSld>
+  <p:clrMapOvr>
+    <a:masterClrMapping/>
+  </p:clrMapOvr>
+  <p:timing>
+    <p:tnLst>
+      <p:par>
+        <p:cTn id="1" dur="indefinite" restart="never" nodeType="tmRoot">
+          <p:childTnLst>
+            <p:seq concurrent="1" nextAc="seek">
+              <p:cTn id="2" dur="indefinite" nodeType="mainSeq">
+                <p:childTnLst>
+                  <p:par>
+                    <p:cTn id="3" fill="hold">
+                      <p:stCondLst>
+                        <p:cond delay="indefinite"/>
+                      </p:stCondLst>
+                      <p:childTnLst>
+                        <p:par>
+                          <p:cTn id="4" fill="hold">
+                            <p:stCondLst>
+                              <p:cond delay="0"/>
+                            </p:stCondLst>
+                            <p:childTnLst>
+                              <p:par>
+                                <p:cTn id="5" presetID="2" presetClass="entr" presetSubtype="4" fill="hold" nodeType="clickEffect">
+                                  <p:stCondLst>
+                                    <p:cond delay="0"/>
+                                  </p:stCondLst>
+                                  <p:childTnLst>
+                                    <p:set>
+                                      <p:cBhvr>
+                                        <p:cTn id="6" dur="1" fill="hold">
+                                          <p:stCondLst>
+                                            <p:cond delay="0"/>
+                                          </p:stCondLst>
+                                        </p:cTn>
+                                        <p:tgtEl>
+                                          <p:spTgt spid="3">
+                                            <p:txEl>
+                                              <p:pRg st="0" end="0"/>
+                                            </p:txEl>
+                                          </p:spTgt>
+                                        </p:tgtEl>
+                                        <p:attrNameLst>
+                                          <p:attrName>style.visibility</p:attrName>
+                                        </p:attrNameLst>
+                                      </p:cBhvr>
+                                      <p:to>
+                                        <p:strVal val="visible"/>
+                                      </p:to>
+                                    </p:set>
+                                    <p:anim calcmode="lin" valueType="num">
+                                      <p:cBhvr additive="base">
+                                        <p:cTn id="7" dur="500" fill="hold"/>
+                                        <p:tgtEl>
+                                          <p:spTgt spid="3">
+                                            <p:txEl>
+                                              <p:pRg st="0" end="0"/>
+                                            </p:txEl>
+                                          </p:spTgt>
+                                        </p:tgtEl>
+                                        <p:attrNameLst>
+                                          <p:attrName>ppt_x</p:attrName>
+                                        </p:attrNameLst>
+                                      </p:cBhvr>
+                                      <p:tavLst>
+                                        <p:tav tm="0">
+                                          <p:val>
+                                            <p:strVal val="#ppt_x"/>
+                                          </p:val>
+                                        </p:tav>
+                                        <p:tav tm="100000">
+                                          <p:val>
+                                            <p:strVal val="#ppt_x"/>
+                                          </p:val>
+                                        </p:tav>
+                                      </p:tavLst>
+                                    </p:anim>
+                                    <p:anim calcmode="lin" valueType="num">
+                                      <p:cBhvr additive="base">
+                                        <p:cTn id="8" dur="500" fill="hold"/>
+                                        <p:tgtEl>
+                                          <p:spTgt spid="3">
+                                            <p:txEl>
+                                              <p:pRg st="0" end="0"/>
+                                            </p:txEl>
+                                          </p:spTgt>
+                                        </p:tgtEl>
+                                        <p:attrNameLst>
+                                          <p:attrName>ppt_y</p:attrName>
+                                        </p:attrNameLst>
+                                      </p:cBhvr>
+                                      <p:tavLst>
+                                        <p:tav tm="0">
+                                          <p:val>
+                                            <p:strVal val="1+#ppt_h/2"/>
+                                          </p:val>
+                                        </p:tav>
+                                        <p:tav tm="100000">
+                                          <p:val>
+                                            <p:strVal val="#ppt_y"/>
+                                          </p:val>
+                                        </p:tav>
+                                      </p:tavLst>
+                                    </p:anim>
+                                  </p:childTnLst>
+                                </p:cTn>
+                              </p:par>
+                            </p:childTnLst>
+                          </p:cTn>
+                        </p:par>
+                      </p:childTnLst>
+                    </p:cTn>
+                  </p:par>
+                  <p:par>
+                    <p:cTn id="9" fill="hold">
+                      <p:stCondLst>
+                        <p:cond delay="indefinite"/>
+                      </p:stCondLst>
+                      <p:childTnLst>
+                        <p:par>
+                          <p:cTn id="10" fill="hold">
+                            <p:stCondLst>
+                              <p:cond delay="0"/>
+                            </p:stCondLst>
+                            <p:childTnLst>
+                              <p:par>
+                                <p:cTn id="11" presetID="2" presetClass="entr" presetSubtype="4" fill="hold" nodeType="clickEffect">
+                                  <p:stCondLst>
+                                    <p:cond delay="0"/>
+                                  </p:stCondLst>
+                                  <p:childTnLst>
+                                    <p:set>
+                                      <p:cBhvr>
+                                        <p:cTn id="12" dur="1" fill="hold">
+                                          <p:stCondLst>
+                                            <p:cond delay="0"/>
+                                          </p:stCondLst>
+                                        </p:cTn>
+                                        <p:tgtEl>
+                                          <p:spTgt spid="3">
+                                            <p:txEl>
+                                              <p:pRg st="2" end="2"/>
+                                            </p:txEl>
+                                          </p:spTgt>
+                                        </p:tgtEl>
+                                        <p:attrNameLst>
+                                          <p:attrName>style.visibility</p:attrName>
+                                        </p:attrNameLst>
+                                      </p:cBhvr>
+                                      <p:to>
+                                        <p:strVal val="visible"/>
+                                      </p:to>
+                                    </p:set>
+                                    <p:anim calcmode="lin" valueType="num">
+                                      <p:cBhvr additive="base">
+                                        <p:cTn id="13" dur="500" fill="hold"/>
+                                        <p:tgtEl>
+                                          <p:spTgt spid="3">
+                                            <p:txEl>
+                                              <p:pRg st="2" end="2"/>
+                                            </p:txEl>
+                                          </p:spTgt>
+                                        </p:tgtEl>
+                                        <p:attrNameLst>
+                                          <p:attrName>ppt_x</p:attrName>
+                                        </p:attrNameLst>
+                                      </p:cBhvr>
+                                      <p:tavLst>
+                                        <p:tav tm="0">
+                                          <p:val>
+                                            <p:strVal val="#ppt_x"/>
+                                          </p:val>
+                                        </p:tav>
+                                        <p:tav tm="100000">
+                                          <p:val>
+                                            <p:strVal val="#ppt_x"/>
+                                          </p:val>
+                                        </p:tav>
+                                      </p:tavLst>
+                                    </p:anim>
+                                    <p:anim calcmode="lin" valueType="num">
+                                      <p:cBhvr additive="base">
+                                        <p:cTn id="14" dur="500" fill="hold"/>
+                                        <p:tgtEl>
+                                          <p:spTgt spid="3">
+                                            <p:txEl>
+                                              <p:pRg st="2" end="2"/>
+                                            </p:txEl>
+                                          </p:spTgt>
+                                        </p:tgtEl>
+                                        <p:attrNameLst>
+                                          <p:attrName>ppt_y</p:attrName>
+                                        </p:attrNameLst>
+                                      </p:cBhvr>
+                                      <p:tavLst>
+                                        <p:tav tm="0">
+                                          <p:val>
+                                            <p:strVal val="1+#ppt_h/2"/>
+                                          </p:val>
+                                        </p:tav>
+                                        <p:tav tm="100000">
+                                          <p:val>
+                                            <p:strVal val="#ppt_y"/>
+                                          </p:val>
+                                        </p:tav>
+                                      </p:tavLst>
+                                    </p:anim>
+                                  </p:childTnLst>
+                                </p:cTn>
+                              </p:par>
+                            </p:childTnLst>
+                          </p:cTn>
+                        </p:par>
+                      </p:childTnLst>
+                    </p:cTn>
+                  </p:par>
+                </p:childTnLst>
+              </p:cTn>
+              <p:prevCondLst>
+                <p:cond evt="onPrev" delay="0">
+                  <p:tgtEl>
+                    <p:sldTgt/>
+                  </p:tgtEl>
+                </p:cond>
+              </p:prevCondLst>
+              <p:nextCondLst>
+                <p:cond evt="onNext" delay="0">
+                  <p:tgtEl>
+                    <p:sldTgt/>
+                  </p:tgtEl>
+                </p:cond>
+              </p:nextCondLst>
+            </p:seq>
+          </p:childTnLst>
+        </p:cTn>
+      </p:par>
+    </p:tnLst>
+  </p:timing>
 </p:sld>
 </file>
 
